--- a/Lecture6.pptx
+++ b/Lecture6.pptx
@@ -238,7 +238,7 @@
           <a:p>
             <a:fld id="{63A8C7BE-EE36-44DC-8DE2-54CEB92E8F58}" type="datetimeFigureOut">
               <a:rPr lang="ko-KR" altLang="en-US" smtClean="0"/>
-              <a:t>2019-04-15</a:t>
+              <a:t>2019-04-29</a:t>
             </a:fld>
             <a:endParaRPr lang="ko-KR" altLang="en-US"/>
           </a:p>
@@ -302,38 +302,37 @@
           <a:p>
             <a:pPr lvl="0"/>
             <a:r>
-              <a:rPr lang="ko-KR" altLang="en-US" smtClean="0"/>
+              <a:rPr lang="ko-KR" altLang="en-US"/>
               <a:t>마스터 텍스트 스타일을 편집합니다</a:t>
             </a:r>
           </a:p>
           <a:p>
             <a:pPr lvl="1"/>
             <a:r>
-              <a:rPr lang="ko-KR" altLang="en-US" smtClean="0"/>
+              <a:rPr lang="ko-KR" altLang="en-US"/>
               <a:t>둘째 수준</a:t>
             </a:r>
           </a:p>
           <a:p>
             <a:pPr lvl="2"/>
             <a:r>
-              <a:rPr lang="ko-KR" altLang="en-US" smtClean="0"/>
+              <a:rPr lang="ko-KR" altLang="en-US"/>
               <a:t>셋째 수준</a:t>
             </a:r>
           </a:p>
           <a:p>
             <a:pPr lvl="3"/>
             <a:r>
-              <a:rPr lang="ko-KR" altLang="en-US" smtClean="0"/>
+              <a:rPr lang="ko-KR" altLang="en-US"/>
               <a:t>넷째 수준</a:t>
             </a:r>
           </a:p>
           <a:p>
             <a:pPr lvl="4"/>
             <a:r>
-              <a:rPr lang="ko-KR" altLang="en-US" smtClean="0"/>
+              <a:rPr lang="ko-KR" altLang="en-US"/>
               <a:t>다섯째 수준</a:t>
             </a:r>
-            <a:endParaRPr lang="ko-KR" altLang="en-US"/>
           </a:p>
         </p:txBody>
       </p:sp>
@@ -544,10 +543,9 @@
           <a:lstStyle/>
           <a:p>
             <a:r>
-              <a:rPr lang="ko-KR" altLang="en-US" smtClean="0"/>
+              <a:rPr lang="ko-KR" altLang="en-US"/>
               <a:t>마스터 제목 스타일 편집</a:t>
             </a:r>
-            <a:endParaRPr lang="ko-KR" altLang="en-US"/>
           </a:p>
         </p:txBody>
       </p:sp>
@@ -663,10 +661,9 @@
           </a:lstStyle>
           <a:p>
             <a:r>
-              <a:rPr lang="ko-KR" altLang="en-US" smtClean="0"/>
+              <a:rPr lang="ko-KR" altLang="en-US"/>
               <a:t>마스터 부제목 스타일 편집</a:t>
             </a:r>
-            <a:endParaRPr lang="ko-KR" altLang="en-US"/>
           </a:p>
         </p:txBody>
       </p:sp>
@@ -687,7 +684,7 @@
           <a:p>
             <a:fld id="{FB30EDBD-1C2D-4C1E-B459-B60219FAB484}" type="datetimeFigureOut">
               <a:rPr lang="ko-KR" altLang="en-US" smtClean="0"/>
-              <a:t>2019-04-15</a:t>
+              <a:t>2019-04-29</a:t>
             </a:fld>
             <a:endParaRPr lang="ko-KR" altLang="en-US"/>
           </a:p>
@@ -776,10 +773,9 @@
           <a:lstStyle/>
           <a:p>
             <a:r>
-              <a:rPr lang="ko-KR" altLang="en-US" smtClean="0"/>
+              <a:rPr lang="ko-KR" altLang="en-US"/>
               <a:t>마스터 제목 스타일 편집</a:t>
             </a:r>
-            <a:endParaRPr lang="ko-KR" altLang="en-US"/>
           </a:p>
         </p:txBody>
       </p:sp>
@@ -800,38 +796,37 @@
           <a:p>
             <a:pPr lvl="0"/>
             <a:r>
-              <a:rPr lang="ko-KR" altLang="en-US" smtClean="0"/>
+              <a:rPr lang="ko-KR" altLang="en-US"/>
               <a:t>마스터 텍스트 스타일을 편집합니다</a:t>
             </a:r>
           </a:p>
           <a:p>
             <a:pPr lvl="1"/>
             <a:r>
-              <a:rPr lang="ko-KR" altLang="en-US" smtClean="0"/>
+              <a:rPr lang="ko-KR" altLang="en-US"/>
               <a:t>둘째 수준</a:t>
             </a:r>
           </a:p>
           <a:p>
             <a:pPr lvl="2"/>
             <a:r>
-              <a:rPr lang="ko-KR" altLang="en-US" smtClean="0"/>
+              <a:rPr lang="ko-KR" altLang="en-US"/>
               <a:t>셋째 수준</a:t>
             </a:r>
           </a:p>
           <a:p>
             <a:pPr lvl="3"/>
             <a:r>
-              <a:rPr lang="ko-KR" altLang="en-US" smtClean="0"/>
+              <a:rPr lang="ko-KR" altLang="en-US"/>
               <a:t>넷째 수준</a:t>
             </a:r>
           </a:p>
           <a:p>
             <a:pPr lvl="4"/>
             <a:r>
-              <a:rPr lang="ko-KR" altLang="en-US" smtClean="0"/>
+              <a:rPr lang="ko-KR" altLang="en-US"/>
               <a:t>다섯째 수준</a:t>
             </a:r>
-            <a:endParaRPr lang="ko-KR" altLang="en-US"/>
           </a:p>
         </p:txBody>
       </p:sp>
@@ -852,7 +847,7 @@
           <a:p>
             <a:fld id="{FB30EDBD-1C2D-4C1E-B459-B60219FAB484}" type="datetimeFigureOut">
               <a:rPr lang="ko-KR" altLang="en-US" smtClean="0"/>
-              <a:t>2019-04-15</a:t>
+              <a:t>2019-04-29</a:t>
             </a:fld>
             <a:endParaRPr lang="ko-KR" altLang="en-US"/>
           </a:p>
@@ -946,10 +941,9 @@
           <a:lstStyle/>
           <a:p>
             <a:r>
-              <a:rPr lang="ko-KR" altLang="en-US" smtClean="0"/>
+              <a:rPr lang="ko-KR" altLang="en-US"/>
               <a:t>마스터 제목 스타일 편집</a:t>
             </a:r>
-            <a:endParaRPr lang="ko-KR" altLang="en-US"/>
           </a:p>
         </p:txBody>
       </p:sp>
@@ -975,38 +969,37 @@
           <a:p>
             <a:pPr lvl="0"/>
             <a:r>
-              <a:rPr lang="ko-KR" altLang="en-US" smtClean="0"/>
+              <a:rPr lang="ko-KR" altLang="en-US"/>
               <a:t>마스터 텍스트 스타일을 편집합니다</a:t>
             </a:r>
           </a:p>
           <a:p>
             <a:pPr lvl="1"/>
             <a:r>
-              <a:rPr lang="ko-KR" altLang="en-US" smtClean="0"/>
+              <a:rPr lang="ko-KR" altLang="en-US"/>
               <a:t>둘째 수준</a:t>
             </a:r>
           </a:p>
           <a:p>
             <a:pPr lvl="2"/>
             <a:r>
-              <a:rPr lang="ko-KR" altLang="en-US" smtClean="0"/>
+              <a:rPr lang="ko-KR" altLang="en-US"/>
               <a:t>셋째 수준</a:t>
             </a:r>
           </a:p>
           <a:p>
             <a:pPr lvl="3"/>
             <a:r>
-              <a:rPr lang="ko-KR" altLang="en-US" smtClean="0"/>
+              <a:rPr lang="ko-KR" altLang="en-US"/>
               <a:t>넷째 수준</a:t>
             </a:r>
           </a:p>
           <a:p>
             <a:pPr lvl="4"/>
             <a:r>
-              <a:rPr lang="ko-KR" altLang="en-US" smtClean="0"/>
+              <a:rPr lang="ko-KR" altLang="en-US"/>
               <a:t>다섯째 수준</a:t>
             </a:r>
-            <a:endParaRPr lang="ko-KR" altLang="en-US"/>
           </a:p>
         </p:txBody>
       </p:sp>
@@ -1027,7 +1020,7 @@
           <a:p>
             <a:fld id="{FB30EDBD-1C2D-4C1E-B459-B60219FAB484}" type="datetimeFigureOut">
               <a:rPr lang="ko-KR" altLang="en-US" smtClean="0"/>
-              <a:t>2019-04-15</a:t>
+              <a:t>2019-04-29</a:t>
             </a:fld>
             <a:endParaRPr lang="ko-KR" altLang="en-US"/>
           </a:p>
@@ -1116,10 +1109,9 @@
           <a:lstStyle/>
           <a:p>
             <a:r>
-              <a:rPr lang="ko-KR" altLang="en-US" smtClean="0"/>
+              <a:rPr lang="ko-KR" altLang="en-US"/>
               <a:t>마스터 제목 스타일 편집</a:t>
             </a:r>
-            <a:endParaRPr lang="ko-KR" altLang="en-US"/>
           </a:p>
         </p:txBody>
       </p:sp>
@@ -1140,38 +1132,37 @@
           <a:p>
             <a:pPr lvl="0"/>
             <a:r>
-              <a:rPr lang="ko-KR" altLang="en-US" smtClean="0"/>
+              <a:rPr lang="ko-KR" altLang="en-US"/>
               <a:t>마스터 텍스트 스타일을 편집합니다</a:t>
             </a:r>
           </a:p>
           <a:p>
             <a:pPr lvl="1"/>
             <a:r>
-              <a:rPr lang="ko-KR" altLang="en-US" smtClean="0"/>
+              <a:rPr lang="ko-KR" altLang="en-US"/>
               <a:t>둘째 수준</a:t>
             </a:r>
           </a:p>
           <a:p>
             <a:pPr lvl="2"/>
             <a:r>
-              <a:rPr lang="ko-KR" altLang="en-US" smtClean="0"/>
+              <a:rPr lang="ko-KR" altLang="en-US"/>
               <a:t>셋째 수준</a:t>
             </a:r>
           </a:p>
           <a:p>
             <a:pPr lvl="3"/>
             <a:r>
-              <a:rPr lang="ko-KR" altLang="en-US" smtClean="0"/>
+              <a:rPr lang="ko-KR" altLang="en-US"/>
               <a:t>넷째 수준</a:t>
             </a:r>
           </a:p>
           <a:p>
             <a:pPr lvl="4"/>
             <a:r>
-              <a:rPr lang="ko-KR" altLang="en-US" smtClean="0"/>
+              <a:rPr lang="ko-KR" altLang="en-US"/>
               <a:t>다섯째 수준</a:t>
             </a:r>
-            <a:endParaRPr lang="ko-KR" altLang="en-US"/>
           </a:p>
         </p:txBody>
       </p:sp>
@@ -1192,7 +1183,7 @@
           <a:p>
             <a:fld id="{FB30EDBD-1C2D-4C1E-B459-B60219FAB484}" type="datetimeFigureOut">
               <a:rPr lang="ko-KR" altLang="en-US" smtClean="0"/>
-              <a:t>2019-04-15</a:t>
+              <a:t>2019-04-29</a:t>
             </a:fld>
             <a:endParaRPr lang="ko-KR" altLang="en-US"/>
           </a:p>
@@ -1290,10 +1281,9 @@
           </a:lstStyle>
           <a:p>
             <a:r>
-              <a:rPr lang="ko-KR" altLang="en-US" smtClean="0"/>
+              <a:rPr lang="ko-KR" altLang="en-US"/>
               <a:t>마스터 제목 스타일 편집</a:t>
             </a:r>
-            <a:endParaRPr lang="ko-KR" altLang="en-US"/>
           </a:p>
         </p:txBody>
       </p:sp>
@@ -1410,7 +1400,7 @@
           <a:p>
             <a:pPr lvl="0"/>
             <a:r>
-              <a:rPr lang="ko-KR" altLang="en-US" smtClean="0"/>
+              <a:rPr lang="ko-KR" altLang="en-US"/>
               <a:t>마스터 텍스트 스타일을 편집합니다</a:t>
             </a:r>
           </a:p>
@@ -1433,7 +1423,7 @@
           <a:p>
             <a:fld id="{FB30EDBD-1C2D-4C1E-B459-B60219FAB484}" type="datetimeFigureOut">
               <a:rPr lang="ko-KR" altLang="en-US" smtClean="0"/>
-              <a:t>2019-04-15</a:t>
+              <a:t>2019-04-29</a:t>
             </a:fld>
             <a:endParaRPr lang="ko-KR" altLang="en-US"/>
           </a:p>
@@ -1522,10 +1512,9 @@
           <a:lstStyle/>
           <a:p>
             <a:r>
-              <a:rPr lang="ko-KR" altLang="en-US" smtClean="0"/>
+              <a:rPr lang="ko-KR" altLang="en-US"/>
               <a:t>마스터 제목 스타일 편집</a:t>
             </a:r>
-            <a:endParaRPr lang="ko-KR" altLang="en-US"/>
           </a:p>
         </p:txBody>
       </p:sp>
@@ -1579,38 +1568,37 @@
           <a:p>
             <a:pPr lvl="0"/>
             <a:r>
-              <a:rPr lang="ko-KR" altLang="en-US" smtClean="0"/>
+              <a:rPr lang="ko-KR" altLang="en-US"/>
               <a:t>마스터 텍스트 스타일을 편집합니다</a:t>
             </a:r>
           </a:p>
           <a:p>
             <a:pPr lvl="1"/>
             <a:r>
-              <a:rPr lang="ko-KR" altLang="en-US" smtClean="0"/>
+              <a:rPr lang="ko-KR" altLang="en-US"/>
               <a:t>둘째 수준</a:t>
             </a:r>
           </a:p>
           <a:p>
             <a:pPr lvl="2"/>
             <a:r>
-              <a:rPr lang="ko-KR" altLang="en-US" smtClean="0"/>
+              <a:rPr lang="ko-KR" altLang="en-US"/>
               <a:t>셋째 수준</a:t>
             </a:r>
           </a:p>
           <a:p>
             <a:pPr lvl="3"/>
             <a:r>
-              <a:rPr lang="ko-KR" altLang="en-US" smtClean="0"/>
+              <a:rPr lang="ko-KR" altLang="en-US"/>
               <a:t>넷째 수준</a:t>
             </a:r>
           </a:p>
           <a:p>
             <a:pPr lvl="4"/>
             <a:r>
-              <a:rPr lang="ko-KR" altLang="en-US" smtClean="0"/>
+              <a:rPr lang="ko-KR" altLang="en-US"/>
               <a:t>다섯째 수준</a:t>
             </a:r>
-            <a:endParaRPr lang="ko-KR" altLang="en-US"/>
           </a:p>
         </p:txBody>
       </p:sp>
@@ -1664,38 +1652,37 @@
           <a:p>
             <a:pPr lvl="0"/>
             <a:r>
-              <a:rPr lang="ko-KR" altLang="en-US" smtClean="0"/>
+              <a:rPr lang="ko-KR" altLang="en-US"/>
               <a:t>마스터 텍스트 스타일을 편집합니다</a:t>
             </a:r>
           </a:p>
           <a:p>
             <a:pPr lvl="1"/>
             <a:r>
-              <a:rPr lang="ko-KR" altLang="en-US" smtClean="0"/>
+              <a:rPr lang="ko-KR" altLang="en-US"/>
               <a:t>둘째 수준</a:t>
             </a:r>
           </a:p>
           <a:p>
             <a:pPr lvl="2"/>
             <a:r>
-              <a:rPr lang="ko-KR" altLang="en-US" smtClean="0"/>
+              <a:rPr lang="ko-KR" altLang="en-US"/>
               <a:t>셋째 수준</a:t>
             </a:r>
           </a:p>
           <a:p>
             <a:pPr lvl="3"/>
             <a:r>
-              <a:rPr lang="ko-KR" altLang="en-US" smtClean="0"/>
+              <a:rPr lang="ko-KR" altLang="en-US"/>
               <a:t>넷째 수준</a:t>
             </a:r>
           </a:p>
           <a:p>
             <a:pPr lvl="4"/>
             <a:r>
-              <a:rPr lang="ko-KR" altLang="en-US" smtClean="0"/>
+              <a:rPr lang="ko-KR" altLang="en-US"/>
               <a:t>다섯째 수준</a:t>
             </a:r>
-            <a:endParaRPr lang="ko-KR" altLang="en-US"/>
           </a:p>
         </p:txBody>
       </p:sp>
@@ -1716,7 +1703,7 @@
           <a:p>
             <a:fld id="{FB30EDBD-1C2D-4C1E-B459-B60219FAB484}" type="datetimeFigureOut">
               <a:rPr lang="ko-KR" altLang="en-US" smtClean="0"/>
-              <a:t>2019-04-15</a:t>
+              <a:t>2019-04-29</a:t>
             </a:fld>
             <a:endParaRPr lang="ko-KR" altLang="en-US"/>
           </a:p>
@@ -1809,10 +1796,9 @@
           </a:lstStyle>
           <a:p>
             <a:r>
-              <a:rPr lang="ko-KR" altLang="en-US" smtClean="0"/>
+              <a:rPr lang="ko-KR" altLang="en-US"/>
               <a:t>마스터 제목 스타일 편집</a:t>
             </a:r>
-            <a:endParaRPr lang="ko-KR" altLang="en-US"/>
           </a:p>
         </p:txBody>
       </p:sp>
@@ -1875,7 +1861,7 @@
           <a:p>
             <a:pPr lvl="0"/>
             <a:r>
-              <a:rPr lang="ko-KR" altLang="en-US" smtClean="0"/>
+              <a:rPr lang="ko-KR" altLang="en-US"/>
               <a:t>마스터 텍스트 스타일을 편집합니다</a:t>
             </a:r>
           </a:p>
@@ -1931,38 +1917,37 @@
           <a:p>
             <a:pPr lvl="0"/>
             <a:r>
-              <a:rPr lang="ko-KR" altLang="en-US" smtClean="0"/>
+              <a:rPr lang="ko-KR" altLang="en-US"/>
               <a:t>마스터 텍스트 스타일을 편집합니다</a:t>
             </a:r>
           </a:p>
           <a:p>
             <a:pPr lvl="1"/>
             <a:r>
-              <a:rPr lang="ko-KR" altLang="en-US" smtClean="0"/>
+              <a:rPr lang="ko-KR" altLang="en-US"/>
               <a:t>둘째 수준</a:t>
             </a:r>
           </a:p>
           <a:p>
             <a:pPr lvl="2"/>
             <a:r>
-              <a:rPr lang="ko-KR" altLang="en-US" smtClean="0"/>
+              <a:rPr lang="ko-KR" altLang="en-US"/>
               <a:t>셋째 수준</a:t>
             </a:r>
           </a:p>
           <a:p>
             <a:pPr lvl="3"/>
             <a:r>
-              <a:rPr lang="ko-KR" altLang="en-US" smtClean="0"/>
+              <a:rPr lang="ko-KR" altLang="en-US"/>
               <a:t>넷째 수준</a:t>
             </a:r>
           </a:p>
           <a:p>
             <a:pPr lvl="4"/>
             <a:r>
-              <a:rPr lang="ko-KR" altLang="en-US" smtClean="0"/>
+              <a:rPr lang="ko-KR" altLang="en-US"/>
               <a:t>다섯째 수준</a:t>
             </a:r>
-            <a:endParaRPr lang="ko-KR" altLang="en-US"/>
           </a:p>
         </p:txBody>
       </p:sp>
@@ -2025,7 +2010,7 @@
           <a:p>
             <a:pPr lvl="0"/>
             <a:r>
-              <a:rPr lang="ko-KR" altLang="en-US" smtClean="0"/>
+              <a:rPr lang="ko-KR" altLang="en-US"/>
               <a:t>마스터 텍스트 스타일을 편집합니다</a:t>
             </a:r>
           </a:p>
@@ -2081,38 +2066,37 @@
           <a:p>
             <a:pPr lvl="0"/>
             <a:r>
-              <a:rPr lang="ko-KR" altLang="en-US" smtClean="0"/>
+              <a:rPr lang="ko-KR" altLang="en-US"/>
               <a:t>마스터 텍스트 스타일을 편집합니다</a:t>
             </a:r>
           </a:p>
           <a:p>
             <a:pPr lvl="1"/>
             <a:r>
-              <a:rPr lang="ko-KR" altLang="en-US" smtClean="0"/>
+              <a:rPr lang="ko-KR" altLang="en-US"/>
               <a:t>둘째 수준</a:t>
             </a:r>
           </a:p>
           <a:p>
             <a:pPr lvl="2"/>
             <a:r>
-              <a:rPr lang="ko-KR" altLang="en-US" smtClean="0"/>
+              <a:rPr lang="ko-KR" altLang="en-US"/>
               <a:t>셋째 수준</a:t>
             </a:r>
           </a:p>
           <a:p>
             <a:pPr lvl="3"/>
             <a:r>
-              <a:rPr lang="ko-KR" altLang="en-US" smtClean="0"/>
+              <a:rPr lang="ko-KR" altLang="en-US"/>
               <a:t>넷째 수준</a:t>
             </a:r>
           </a:p>
           <a:p>
             <a:pPr lvl="4"/>
             <a:r>
-              <a:rPr lang="ko-KR" altLang="en-US" smtClean="0"/>
+              <a:rPr lang="ko-KR" altLang="en-US"/>
               <a:t>다섯째 수준</a:t>
             </a:r>
-            <a:endParaRPr lang="ko-KR" altLang="en-US"/>
           </a:p>
         </p:txBody>
       </p:sp>
@@ -2133,7 +2117,7 @@
           <a:p>
             <a:fld id="{FB30EDBD-1C2D-4C1E-B459-B60219FAB484}" type="datetimeFigureOut">
               <a:rPr lang="ko-KR" altLang="en-US" smtClean="0"/>
-              <a:t>2019-04-15</a:t>
+              <a:t>2019-04-29</a:t>
             </a:fld>
             <a:endParaRPr lang="ko-KR" altLang="en-US"/>
           </a:p>
@@ -2222,10 +2206,9 @@
           <a:lstStyle/>
           <a:p>
             <a:r>
-              <a:rPr lang="ko-KR" altLang="en-US" smtClean="0"/>
+              <a:rPr lang="ko-KR" altLang="en-US"/>
               <a:t>마스터 제목 스타일 편집</a:t>
             </a:r>
-            <a:endParaRPr lang="ko-KR" altLang="en-US"/>
           </a:p>
         </p:txBody>
       </p:sp>
@@ -2246,7 +2229,7 @@
           <a:p>
             <a:fld id="{FB30EDBD-1C2D-4C1E-B459-B60219FAB484}" type="datetimeFigureOut">
               <a:rPr lang="ko-KR" altLang="en-US" smtClean="0"/>
-              <a:t>2019-04-15</a:t>
+              <a:t>2019-04-29</a:t>
             </a:fld>
             <a:endParaRPr lang="ko-KR" altLang="en-US"/>
           </a:p>
@@ -2336,7 +2319,7 @@
           <a:p>
             <a:fld id="{FB30EDBD-1C2D-4C1E-B459-B60219FAB484}" type="datetimeFigureOut">
               <a:rPr lang="ko-KR" altLang="en-US" smtClean="0"/>
-              <a:t>2019-04-15</a:t>
+              <a:t>2019-04-29</a:t>
             </a:fld>
             <a:endParaRPr lang="ko-KR" altLang="en-US"/>
           </a:p>
@@ -2434,10 +2417,9 @@
           </a:lstStyle>
           <a:p>
             <a:r>
-              <a:rPr lang="ko-KR" altLang="en-US" smtClean="0"/>
+              <a:rPr lang="ko-KR" altLang="en-US"/>
               <a:t>마스터 제목 스타일 편집</a:t>
             </a:r>
-            <a:endParaRPr lang="ko-KR" altLang="en-US"/>
           </a:p>
         </p:txBody>
       </p:sp>
@@ -2491,38 +2473,37 @@
           <a:p>
             <a:pPr lvl="0"/>
             <a:r>
-              <a:rPr lang="ko-KR" altLang="en-US" smtClean="0"/>
+              <a:rPr lang="ko-KR" altLang="en-US"/>
               <a:t>마스터 텍스트 스타일을 편집합니다</a:t>
             </a:r>
           </a:p>
           <a:p>
             <a:pPr lvl="1"/>
             <a:r>
-              <a:rPr lang="ko-KR" altLang="en-US" smtClean="0"/>
+              <a:rPr lang="ko-KR" altLang="en-US"/>
               <a:t>둘째 수준</a:t>
             </a:r>
           </a:p>
           <a:p>
             <a:pPr lvl="2"/>
             <a:r>
-              <a:rPr lang="ko-KR" altLang="en-US" smtClean="0"/>
+              <a:rPr lang="ko-KR" altLang="en-US"/>
               <a:t>셋째 수준</a:t>
             </a:r>
           </a:p>
           <a:p>
             <a:pPr lvl="3"/>
             <a:r>
-              <a:rPr lang="ko-KR" altLang="en-US" smtClean="0"/>
+              <a:rPr lang="ko-KR" altLang="en-US"/>
               <a:t>넷째 수준</a:t>
             </a:r>
           </a:p>
           <a:p>
             <a:pPr lvl="4"/>
             <a:r>
-              <a:rPr lang="ko-KR" altLang="en-US" smtClean="0"/>
+              <a:rPr lang="ko-KR" altLang="en-US"/>
               <a:t>다섯째 수준</a:t>
             </a:r>
-            <a:endParaRPr lang="ko-KR" altLang="en-US"/>
           </a:p>
         </p:txBody>
       </p:sp>
@@ -2585,7 +2566,7 @@
           <a:p>
             <a:pPr lvl="0"/>
             <a:r>
-              <a:rPr lang="ko-KR" altLang="en-US" smtClean="0"/>
+              <a:rPr lang="ko-KR" altLang="en-US"/>
               <a:t>마스터 텍스트 스타일을 편집합니다</a:t>
             </a:r>
           </a:p>
@@ -2608,7 +2589,7 @@
           <a:p>
             <a:fld id="{FB30EDBD-1C2D-4C1E-B459-B60219FAB484}" type="datetimeFigureOut">
               <a:rPr lang="ko-KR" altLang="en-US" smtClean="0"/>
-              <a:t>2019-04-15</a:t>
+              <a:t>2019-04-29</a:t>
             </a:fld>
             <a:endParaRPr lang="ko-KR" altLang="en-US"/>
           </a:p>
@@ -2706,10 +2687,9 @@
           </a:lstStyle>
           <a:p>
             <a:r>
-              <a:rPr lang="ko-KR" altLang="en-US" smtClean="0"/>
+              <a:rPr lang="ko-KR" altLang="en-US"/>
               <a:t>마스터 제목 스타일 편집</a:t>
             </a:r>
-            <a:endParaRPr lang="ko-KR" altLang="en-US"/>
           </a:p>
         </p:txBody>
       </p:sp>
@@ -2833,7 +2813,7 @@
           <a:p>
             <a:pPr lvl="0"/>
             <a:r>
-              <a:rPr lang="ko-KR" altLang="en-US" smtClean="0"/>
+              <a:rPr lang="ko-KR" altLang="en-US"/>
               <a:t>마스터 텍스트 스타일을 편집합니다</a:t>
             </a:r>
           </a:p>
@@ -2856,7 +2836,7 @@
           <a:p>
             <a:fld id="{FB30EDBD-1C2D-4C1E-B459-B60219FAB484}" type="datetimeFigureOut">
               <a:rPr lang="ko-KR" altLang="en-US" smtClean="0"/>
-              <a:t>2019-04-15</a:t>
+              <a:t>2019-04-29</a:t>
             </a:fld>
             <a:endParaRPr lang="ko-KR" altLang="en-US"/>
           </a:p>
@@ -2960,10 +2940,9 @@
           <a:lstStyle/>
           <a:p>
             <a:r>
-              <a:rPr lang="ko-KR" altLang="en-US" smtClean="0"/>
+              <a:rPr lang="ko-KR" altLang="en-US"/>
               <a:t>마스터 제목 스타일 편집</a:t>
             </a:r>
-            <a:endParaRPr lang="ko-KR" altLang="en-US"/>
           </a:p>
         </p:txBody>
       </p:sp>
@@ -2994,38 +2973,37 @@
           <a:p>
             <a:pPr lvl="0"/>
             <a:r>
-              <a:rPr lang="ko-KR" altLang="en-US" smtClean="0"/>
+              <a:rPr lang="ko-KR" altLang="en-US"/>
               <a:t>마스터 텍스트 스타일을 편집합니다</a:t>
             </a:r>
           </a:p>
           <a:p>
             <a:pPr lvl="1"/>
             <a:r>
-              <a:rPr lang="ko-KR" altLang="en-US" smtClean="0"/>
+              <a:rPr lang="ko-KR" altLang="en-US"/>
               <a:t>둘째 수준</a:t>
             </a:r>
           </a:p>
           <a:p>
             <a:pPr lvl="2"/>
             <a:r>
-              <a:rPr lang="ko-KR" altLang="en-US" smtClean="0"/>
+              <a:rPr lang="ko-KR" altLang="en-US"/>
               <a:t>셋째 수준</a:t>
             </a:r>
           </a:p>
           <a:p>
             <a:pPr lvl="3"/>
             <a:r>
-              <a:rPr lang="ko-KR" altLang="en-US" smtClean="0"/>
+              <a:rPr lang="ko-KR" altLang="en-US"/>
               <a:t>넷째 수준</a:t>
             </a:r>
           </a:p>
           <a:p>
             <a:pPr lvl="4"/>
             <a:r>
-              <a:rPr lang="ko-KR" altLang="en-US" smtClean="0"/>
+              <a:rPr lang="ko-KR" altLang="en-US"/>
               <a:t>다섯째 수준</a:t>
             </a:r>
-            <a:endParaRPr lang="ko-KR" altLang="en-US"/>
           </a:p>
         </p:txBody>
       </p:sp>
@@ -3064,7 +3042,7 @@
           <a:p>
             <a:fld id="{FB30EDBD-1C2D-4C1E-B459-B60219FAB484}" type="datetimeFigureOut">
               <a:rPr lang="ko-KR" altLang="en-US" smtClean="0"/>
-              <a:t>2019-04-15</a:t>
+              <a:t>2019-04-29</a:t>
             </a:fld>
             <a:endParaRPr lang="ko-KR" altLang="en-US"/>
           </a:p>
@@ -3450,7 +3428,7 @@
           <a:lstStyle/>
           <a:p>
             <a:r>
-              <a:rPr lang="ko-KR" altLang="en-US" dirty="0" err="1" smtClean="0"/>
+              <a:rPr lang="ko-KR" altLang="en-US" dirty="0" err="1"/>
               <a:t>셰이더프로그래밍</a:t>
             </a:r>
             <a:endParaRPr lang="ko-KR" altLang="en-US" dirty="0"/>
@@ -3473,18 +3451,14 @@
           <a:lstStyle/>
           <a:p>
             <a:r>
-              <a:rPr lang="en-US" altLang="ko-KR" dirty="0" smtClean="0"/>
+              <a:rPr lang="en-US" altLang="ko-KR" dirty="0"/>
               <a:t>Lecture 6</a:t>
             </a:r>
           </a:p>
           <a:p>
             <a:r>
-              <a:rPr lang="ko-KR" altLang="en-US" dirty="0" err="1" smtClean="0"/>
-              <a:t>이택</a:t>
-            </a:r>
-            <a:r>
               <a:rPr lang="ko-KR" altLang="en-US" dirty="0" err="1"/>
-              <a:t>희</a:t>
+              <a:t>이택희</a:t>
             </a:r>
             <a:endParaRPr lang="ko-KR" altLang="en-US" dirty="0"/>
           </a:p>
@@ -4225,7 +4199,7 @@
           <a:lstStyle/>
           <a:p>
             <a:r>
-              <a:rPr lang="en-US" altLang="ko-KR" dirty="0" smtClean="0"/>
+              <a:rPr lang="en-US" altLang="ko-KR" dirty="0"/>
               <a:t>(0.0f, 0.0f)</a:t>
             </a:r>
             <a:endParaRPr lang="ko-KR" altLang="en-US" dirty="0"/>
@@ -4371,7 +4345,7 @@
           <a:lstStyle/>
           <a:p>
             <a:r>
-              <a:rPr lang="en-US" altLang="ko-KR" dirty="0" smtClean="0"/>
+              <a:rPr lang="en-US" altLang="ko-KR" dirty="0"/>
               <a:t>(1.0f, 1.0f)</a:t>
             </a:r>
             <a:endParaRPr lang="ko-KR" altLang="en-US" dirty="0"/>
@@ -4440,7 +4414,7 @@
           <a:lstStyle/>
           <a:p>
             <a:r>
-              <a:rPr lang="en-US" altLang="ko-KR" dirty="0" smtClean="0"/>
+              <a:rPr lang="en-US" altLang="ko-KR" dirty="0"/>
               <a:t>(0.0f, 1.0f)</a:t>
             </a:r>
             <a:endParaRPr lang="ko-KR" altLang="en-US" dirty="0"/>
@@ -4547,7 +4521,7 @@
           <a:lstStyle/>
           <a:p>
             <a:r>
-              <a:rPr lang="en-US" altLang="ko-KR" dirty="0" smtClean="0"/>
+              <a:rPr lang="en-US" altLang="ko-KR" dirty="0"/>
               <a:t>(1.0f, 0.0f)</a:t>
             </a:r>
             <a:endParaRPr lang="ko-KR" altLang="en-US" dirty="0"/>
@@ -4694,7 +4668,7 @@
           <a:lstStyle/>
           <a:p>
             <a:r>
-              <a:rPr lang="en-US" altLang="ko-KR" dirty="0" smtClean="0"/>
+              <a:rPr lang="en-US" altLang="ko-KR" dirty="0"/>
               <a:t>(?, ?)</a:t>
             </a:r>
             <a:endParaRPr lang="ko-KR" altLang="en-US" dirty="0"/>
@@ -4818,41 +4792,40 @@
           <a:lstStyle/>
           <a:p>
             <a:r>
-              <a:rPr lang="ko-KR" altLang="en-US" dirty="0" err="1" smtClean="0"/>
+              <a:rPr lang="ko-KR" altLang="en-US" dirty="0" err="1"/>
               <a:t>텍스쳐</a:t>
             </a:r>
             <a:r>
-              <a:rPr lang="en-US" altLang="ko-KR" dirty="0" smtClean="0"/>
+              <a:rPr lang="en-US" altLang="ko-KR" dirty="0"/>
               <a:t> </a:t>
             </a:r>
             <a:r>
-              <a:rPr lang="ko-KR" altLang="en-US" dirty="0" smtClean="0"/>
+              <a:rPr lang="ko-KR" altLang="en-US" dirty="0"/>
               <a:t>좌표는 </a:t>
             </a:r>
             <a:r>
-              <a:rPr lang="en-US" altLang="ko-KR" dirty="0" smtClean="0"/>
+              <a:rPr lang="en-US" altLang="ko-KR" dirty="0"/>
               <a:t>0.0f ~ 1.0f </a:t>
             </a:r>
             <a:r>
-              <a:rPr lang="ko-KR" altLang="en-US" dirty="0" smtClean="0"/>
+              <a:rPr lang="ko-KR" altLang="en-US" dirty="0"/>
               <a:t>사이로 </a:t>
             </a:r>
             <a:r>
-              <a:rPr lang="en-US" altLang="ko-KR" dirty="0" smtClean="0"/>
+              <a:rPr lang="en-US" altLang="ko-KR" dirty="0"/>
               <a:t>normalize </a:t>
             </a:r>
             <a:r>
-              <a:rPr lang="ko-KR" altLang="en-US" dirty="0" smtClean="0"/>
+              <a:rPr lang="ko-KR" altLang="en-US" dirty="0"/>
               <a:t>됨</a:t>
             </a:r>
-            <a:endParaRPr lang="en-US" altLang="ko-KR" dirty="0" smtClean="0"/>
+            <a:endParaRPr lang="en-US" altLang="ko-KR" dirty="0"/>
           </a:p>
           <a:p>
             <a:r>
-              <a:rPr lang="ko-KR" altLang="en-US" dirty="0" smtClean="0"/>
+              <a:rPr lang="ko-KR" altLang="en-US" dirty="0"/>
               <a:t>이미지 해상도와 별개임</a:t>
             </a:r>
-            <a:endParaRPr lang="ko-KR" altLang="en-US" dirty="0"/>
           </a:p>
         </p:txBody>
       </p:sp>
@@ -6137,7 +6110,7 @@
           <a:lstStyle/>
           <a:p>
             <a:r>
-              <a:rPr lang="en-US" altLang="ko-KR" dirty="0" smtClean="0"/>
+              <a:rPr lang="en-US" altLang="ko-KR" dirty="0"/>
               <a:t>(1.0f, 1.0f)</a:t>
             </a:r>
             <a:endParaRPr lang="ko-KR" altLang="en-US" dirty="0"/>
@@ -6245,7 +6218,7 @@
           <a:lstStyle/>
           <a:p>
             <a:r>
-              <a:rPr lang="en-US" altLang="ko-KR" dirty="0" smtClean="0"/>
+              <a:rPr lang="en-US" altLang="ko-KR" dirty="0"/>
               <a:t>(1.0f, 1.0f)</a:t>
             </a:r>
             <a:endParaRPr lang="ko-KR" altLang="en-US" dirty="0"/>
@@ -7374,7 +7347,7 @@
                     </m:oMath>
                   </m:oMathPara>
                 </a14:m>
-                <a:endParaRPr lang="ko-KR" altLang="en-US" sz="2800" dirty="0" smtClean="0"/>
+                <a:endParaRPr lang="ko-KR" altLang="en-US" sz="2800" dirty="0"/>
               </a:p>
             </p:txBody>
           </p:sp>
@@ -7508,7 +7481,7 @@
                     </m:oMath>
                   </m:oMathPara>
                 </a14:m>
-                <a:endParaRPr lang="ko-KR" altLang="en-US" sz="2800" dirty="0" smtClean="0"/>
+                <a:endParaRPr lang="ko-KR" altLang="en-US" sz="2800" dirty="0"/>
               </a:p>
             </p:txBody>
           </p:sp>
@@ -7642,7 +7615,7 @@
                     </m:oMath>
                   </m:oMathPara>
                 </a14:m>
-                <a:endParaRPr lang="ko-KR" altLang="en-US" sz="2800" dirty="0" smtClean="0"/>
+                <a:endParaRPr lang="ko-KR" altLang="en-US" sz="2800" dirty="0"/>
               </a:p>
             </p:txBody>
           </p:sp>
@@ -7745,7 +7718,7 @@
                     </m:oMath>
                   </m:oMathPara>
                 </a14:m>
-                <a:endParaRPr lang="ko-KR" altLang="en-US" sz="2800" dirty="0" smtClean="0"/>
+                <a:endParaRPr lang="ko-KR" altLang="en-US" sz="2800" dirty="0"/>
               </a:p>
             </p:txBody>
           </p:sp>
@@ -8000,7 +7973,7 @@
                     </m:oMath>
                   </m:oMathPara>
                 </a14:m>
-                <a:endParaRPr lang="ko-KR" altLang="en-US" sz="2800" dirty="0" smtClean="0"/>
+                <a:endParaRPr lang="ko-KR" altLang="en-US" sz="2800" dirty="0"/>
               </a:p>
             </p:txBody>
           </p:sp>
@@ -8103,7 +8076,7 @@
                     </m:oMath>
                   </m:oMathPara>
                 </a14:m>
-                <a:endParaRPr lang="ko-KR" altLang="en-US" sz="2800" dirty="0" smtClean="0"/>
+                <a:endParaRPr lang="ko-KR" altLang="en-US" sz="2800" dirty="0"/>
               </a:p>
             </p:txBody>
           </p:sp>
@@ -8206,7 +8179,7 @@
                     </m:oMath>
                   </m:oMathPara>
                 </a14:m>
-                <a:endParaRPr lang="ko-KR" altLang="en-US" sz="2800" dirty="0" smtClean="0"/>
+                <a:endParaRPr lang="ko-KR" altLang="en-US" sz="2800" dirty="0"/>
               </a:p>
             </p:txBody>
           </p:sp>
@@ -8309,7 +8282,7 @@
                     </m:oMath>
                   </m:oMathPara>
                 </a14:m>
-                <a:endParaRPr lang="ko-KR" altLang="en-US" sz="2800" dirty="0" smtClean="0"/>
+                <a:endParaRPr lang="ko-KR" altLang="en-US" sz="2800" dirty="0"/>
               </a:p>
             </p:txBody>
           </p:sp>
@@ -9781,7 +9754,7 @@
                     </m:oMath>
                   </m:oMathPara>
                 </a14:m>
-                <a:endParaRPr lang="ko-KR" altLang="en-US" sz="2800" dirty="0" smtClean="0"/>
+                <a:endParaRPr lang="ko-KR" altLang="en-US" sz="2800" dirty="0"/>
               </a:p>
             </p:txBody>
           </p:sp>
@@ -9915,7 +9888,7 @@
                     </m:oMath>
                   </m:oMathPara>
                 </a14:m>
-                <a:endParaRPr lang="ko-KR" altLang="en-US" sz="2800" dirty="0" smtClean="0"/>
+                <a:endParaRPr lang="ko-KR" altLang="en-US" sz="2800" dirty="0"/>
               </a:p>
             </p:txBody>
           </p:sp>
@@ -10049,7 +10022,7 @@
                     </m:oMath>
                   </m:oMathPara>
                 </a14:m>
-                <a:endParaRPr lang="ko-KR" altLang="en-US" sz="2800" dirty="0" smtClean="0"/>
+                <a:endParaRPr lang="ko-KR" altLang="en-US" sz="2800" dirty="0"/>
               </a:p>
             </p:txBody>
           </p:sp>
@@ -10152,7 +10125,7 @@
                     </m:oMath>
                   </m:oMathPara>
                 </a14:m>
-                <a:endParaRPr lang="ko-KR" altLang="en-US" sz="2800" dirty="0" smtClean="0"/>
+                <a:endParaRPr lang="ko-KR" altLang="en-US" sz="2800" dirty="0"/>
               </a:p>
             </p:txBody>
           </p:sp>
@@ -10273,19 +10246,19 @@
           <a:lstStyle/>
           <a:p>
             <a:r>
-              <a:rPr lang="ko-KR" altLang="en-US" dirty="0" err="1" smtClean="0"/>
+              <a:rPr lang="ko-KR" altLang="en-US" dirty="0" err="1"/>
               <a:t>텍스쳐</a:t>
             </a:r>
             <a:r>
-              <a:rPr lang="en-US" altLang="ko-KR" dirty="0" smtClean="0"/>
+              <a:rPr lang="en-US" altLang="ko-KR" dirty="0"/>
               <a:t> </a:t>
             </a:r>
             <a:r>
-              <a:rPr lang="ko-KR" altLang="en-US" dirty="0" smtClean="0"/>
+              <a:rPr lang="ko-KR" altLang="en-US" dirty="0"/>
               <a:t>샘플링은 어느 단계에서 이루어 질까</a:t>
             </a:r>
             <a:r>
-              <a:rPr lang="en-US" altLang="ko-KR" dirty="0" smtClean="0"/>
+              <a:rPr lang="en-US" altLang="ko-KR" dirty="0"/>
               <a:t>?</a:t>
             </a:r>
             <a:endParaRPr lang="ko-KR" altLang="en-US" dirty="0"/>
@@ -10327,7 +10300,7 @@
           <a:p>
             <a:pPr algn="ctr"/>
             <a:r>
-              <a:rPr lang="en-US" altLang="ko-KR" b="1" dirty="0" smtClean="0">
+              <a:rPr lang="en-US" altLang="ko-KR" b="1" dirty="0">
                 <a:effectLst>
                   <a:outerShdw blurRad="38100" dist="38100" dir="2700000" algn="tl">
                     <a:srgbClr val="000000">
@@ -10339,7 +10312,7 @@
               <a:t>Vertex </a:t>
             </a:r>
             <a:r>
-              <a:rPr lang="en-US" altLang="ko-KR" b="1" dirty="0" err="1" smtClean="0">
+              <a:rPr lang="en-US" altLang="ko-KR" b="1" dirty="0" err="1">
                 <a:effectLst>
                   <a:outerShdw blurRad="38100" dist="38100" dir="2700000" algn="tl">
                     <a:srgbClr val="000000">
@@ -10399,7 +10372,7 @@
           <a:p>
             <a:pPr algn="ctr"/>
             <a:r>
-              <a:rPr lang="en-US" altLang="ko-KR" b="1" dirty="0" smtClean="0">
+              <a:rPr lang="en-US" altLang="ko-KR" b="1" dirty="0">
                 <a:effectLst>
                   <a:outerShdw blurRad="38100" dist="38100" dir="2700000" algn="tl">
                     <a:srgbClr val="000000">
@@ -10459,7 +10432,7 @@
           <a:p>
             <a:pPr algn="ctr"/>
             <a:r>
-              <a:rPr lang="en-US" altLang="ko-KR" b="1" dirty="0" err="1" smtClean="0">
+              <a:rPr lang="en-US" altLang="ko-KR" b="1" dirty="0" err="1">
                 <a:effectLst>
                   <a:outerShdw blurRad="38100" dist="38100" dir="2700000" algn="tl">
                     <a:srgbClr val="000000">
@@ -10471,7 +10444,7 @@
               <a:t>Rasterization</a:t>
             </a:r>
             <a:r>
-              <a:rPr lang="en-US" altLang="ko-KR" b="1" dirty="0" smtClean="0">
+              <a:rPr lang="en-US" altLang="ko-KR" b="1" dirty="0">
                 <a:effectLst>
                   <a:outerShdw blurRad="38100" dist="38100" dir="2700000" algn="tl">
                     <a:srgbClr val="000000">
@@ -10529,7 +10502,7 @@
           <a:p>
             <a:pPr algn="ctr"/>
             <a:r>
-              <a:rPr lang="en-US" altLang="ko-KR" b="1" dirty="0" smtClean="0">
+              <a:rPr lang="en-US" altLang="ko-KR" b="1" dirty="0">
                 <a:effectLst>
                   <a:outerShdw blurRad="38100" dist="38100" dir="2700000" algn="tl">
                     <a:srgbClr val="000000">
@@ -10541,7 +10514,7 @@
               <a:t>Fragment </a:t>
             </a:r>
             <a:r>
-              <a:rPr lang="en-US" altLang="ko-KR" b="1" dirty="0" err="1" smtClean="0">
+              <a:rPr lang="en-US" altLang="ko-KR" b="1" dirty="0" err="1">
                 <a:effectLst>
                   <a:outerShdw blurRad="38100" dist="38100" dir="2700000" algn="tl">
                     <a:srgbClr val="000000">
@@ -10601,7 +10574,7 @@
           <a:p>
             <a:pPr algn="ctr"/>
             <a:r>
-              <a:rPr lang="en-US" altLang="ko-KR" b="1" dirty="0" smtClean="0">
+              <a:rPr lang="en-US" altLang="ko-KR" b="1" dirty="0">
                 <a:effectLst>
                   <a:outerShdw blurRad="38100" dist="38100" dir="2700000" algn="tl">
                     <a:srgbClr val="000000">
@@ -10948,7 +10921,7 @@
           <a:p>
             <a:pPr algn="ctr"/>
             <a:r>
-              <a:rPr lang="en-US" altLang="ko-KR" b="1" dirty="0" smtClean="0">
+              <a:rPr lang="en-US" altLang="ko-KR" b="1" dirty="0">
                 <a:effectLst>
                   <a:outerShdw blurRad="38100" dist="38100" dir="2700000" algn="tl">
                     <a:srgbClr val="000000">
@@ -10960,7 +10933,7 @@
               <a:t>Vertex </a:t>
             </a:r>
             <a:r>
-              <a:rPr lang="en-US" altLang="ko-KR" b="1" dirty="0" err="1" smtClean="0">
+              <a:rPr lang="en-US" altLang="ko-KR" b="1" dirty="0" err="1">
                 <a:effectLst>
                   <a:outerShdw blurRad="38100" dist="38100" dir="2700000" algn="tl">
                     <a:srgbClr val="000000">
@@ -11020,7 +10993,7 @@
           <a:p>
             <a:pPr algn="ctr"/>
             <a:r>
-              <a:rPr lang="en-US" altLang="ko-KR" b="1" dirty="0" smtClean="0">
+              <a:rPr lang="en-US" altLang="ko-KR" b="1" dirty="0">
                 <a:effectLst>
                   <a:outerShdw blurRad="38100" dist="38100" dir="2700000" algn="tl">
                     <a:srgbClr val="000000">
@@ -11080,7 +11053,7 @@
           <a:p>
             <a:pPr algn="ctr"/>
             <a:r>
-              <a:rPr lang="en-US" altLang="ko-KR" b="1" dirty="0" err="1" smtClean="0">
+              <a:rPr lang="en-US" altLang="ko-KR" b="1" dirty="0" err="1">
                 <a:effectLst>
                   <a:outerShdw blurRad="38100" dist="38100" dir="2700000" algn="tl">
                     <a:srgbClr val="000000">
@@ -11092,7 +11065,7 @@
               <a:t>Rasterization</a:t>
             </a:r>
             <a:r>
-              <a:rPr lang="en-US" altLang="ko-KR" b="1" dirty="0" smtClean="0">
+              <a:rPr lang="en-US" altLang="ko-KR" b="1" dirty="0">
                 <a:effectLst>
                   <a:outerShdw blurRad="38100" dist="38100" dir="2700000" algn="tl">
                     <a:srgbClr val="000000">
@@ -11150,7 +11123,7 @@
           <a:p>
             <a:pPr algn="ctr"/>
             <a:r>
-              <a:rPr lang="en-US" altLang="ko-KR" b="1" dirty="0" smtClean="0">
+              <a:rPr lang="en-US" altLang="ko-KR" b="1" dirty="0">
                 <a:effectLst>
                   <a:outerShdw blurRad="38100" dist="38100" dir="2700000" algn="tl">
                     <a:srgbClr val="000000">
@@ -11162,7 +11135,7 @@
               <a:t>Fragment </a:t>
             </a:r>
             <a:r>
-              <a:rPr lang="en-US" altLang="ko-KR" b="1" dirty="0" err="1" smtClean="0">
+              <a:rPr lang="en-US" altLang="ko-KR" b="1" dirty="0" err="1">
                 <a:effectLst>
                   <a:outerShdw blurRad="38100" dist="38100" dir="2700000" algn="tl">
                     <a:srgbClr val="000000">
@@ -11222,7 +11195,7 @@
           <a:p>
             <a:pPr algn="ctr"/>
             <a:r>
-              <a:rPr lang="en-US" altLang="ko-KR" b="1" dirty="0" smtClean="0">
+              <a:rPr lang="en-US" altLang="ko-KR" b="1" dirty="0">
                 <a:effectLst>
                   <a:outerShdw blurRad="38100" dist="38100" dir="2700000" algn="tl">
                     <a:srgbClr val="000000">
@@ -11497,10 +11470,10 @@
           <a:p>
             <a:pPr algn="ctr" latinLnBrk="0"/>
             <a:r>
-              <a:rPr lang="en-US" altLang="ko-KR" sz="2800" dirty="0" smtClean="0"/>
+              <a:rPr lang="en-US" altLang="ko-KR" sz="2800" dirty="0"/>
               <a:t>Texture Sampling</a:t>
             </a:r>
-            <a:endParaRPr lang="ko-KR" altLang="en-US" sz="2800" dirty="0" smtClean="0"/>
+            <a:endParaRPr lang="ko-KR" altLang="en-US" sz="2800" dirty="0"/>
           </a:p>
         </p:txBody>
       </p:sp>
@@ -11690,7 +11663,7 @@
           <a:p>
             <a:pPr algn="ctr"/>
             <a:r>
-              <a:rPr lang="en-US" altLang="ko-KR" b="1" dirty="0" smtClean="0">
+              <a:rPr lang="en-US" altLang="ko-KR" b="1" dirty="0">
                 <a:effectLst>
                   <a:outerShdw blurRad="38100" dist="38100" dir="2700000" algn="tl">
                     <a:srgbClr val="000000">
@@ -11702,7 +11675,7 @@
               <a:t>Vertex </a:t>
             </a:r>
             <a:r>
-              <a:rPr lang="en-US" altLang="ko-KR" b="1" dirty="0" err="1" smtClean="0">
+              <a:rPr lang="en-US" altLang="ko-KR" b="1" dirty="0" err="1">
                 <a:effectLst>
                   <a:outerShdw blurRad="38100" dist="38100" dir="2700000" algn="tl">
                     <a:srgbClr val="000000">
@@ -11762,7 +11735,7 @@
           <a:p>
             <a:pPr algn="ctr"/>
             <a:r>
-              <a:rPr lang="en-US" altLang="ko-KR" b="1" dirty="0" smtClean="0">
+              <a:rPr lang="en-US" altLang="ko-KR" b="1" dirty="0">
                 <a:effectLst>
                   <a:outerShdw blurRad="38100" dist="38100" dir="2700000" algn="tl">
                     <a:srgbClr val="000000">
@@ -11822,7 +11795,7 @@
           <a:p>
             <a:pPr algn="ctr"/>
             <a:r>
-              <a:rPr lang="en-US" altLang="ko-KR" b="1" dirty="0" err="1" smtClean="0">
+              <a:rPr lang="en-US" altLang="ko-KR" b="1" dirty="0" err="1">
                 <a:effectLst>
                   <a:outerShdw blurRad="38100" dist="38100" dir="2700000" algn="tl">
                     <a:srgbClr val="000000">
@@ -11834,7 +11807,7 @@
               <a:t>Rasterization</a:t>
             </a:r>
             <a:r>
-              <a:rPr lang="en-US" altLang="ko-KR" b="1" dirty="0" smtClean="0">
+              <a:rPr lang="en-US" altLang="ko-KR" b="1" dirty="0">
                 <a:effectLst>
                   <a:outerShdw blurRad="38100" dist="38100" dir="2700000" algn="tl">
                     <a:srgbClr val="000000">
@@ -11892,7 +11865,7 @@
           <a:p>
             <a:pPr algn="ctr"/>
             <a:r>
-              <a:rPr lang="en-US" altLang="ko-KR" b="1" dirty="0" smtClean="0">
+              <a:rPr lang="en-US" altLang="ko-KR" b="1" dirty="0">
                 <a:effectLst>
                   <a:outerShdw blurRad="38100" dist="38100" dir="2700000" algn="tl">
                     <a:srgbClr val="000000">
@@ -11904,7 +11877,7 @@
               <a:t>Fragment </a:t>
             </a:r>
             <a:r>
-              <a:rPr lang="en-US" altLang="ko-KR" b="1" dirty="0" err="1" smtClean="0">
+              <a:rPr lang="en-US" altLang="ko-KR" b="1" dirty="0" err="1">
                 <a:effectLst>
                   <a:outerShdw blurRad="38100" dist="38100" dir="2700000" algn="tl">
                     <a:srgbClr val="000000">
@@ -11964,7 +11937,7 @@
           <a:p>
             <a:pPr algn="ctr"/>
             <a:r>
-              <a:rPr lang="en-US" altLang="ko-KR" b="1" dirty="0" smtClean="0">
+              <a:rPr lang="en-US" altLang="ko-KR" b="1" dirty="0">
                 <a:effectLst>
                   <a:outerShdw blurRad="38100" dist="38100" dir="2700000" algn="tl">
                     <a:srgbClr val="000000">
@@ -12239,10 +12212,10 @@
           <a:p>
             <a:pPr algn="ctr" latinLnBrk="0"/>
             <a:r>
-              <a:rPr lang="en-US" altLang="ko-KR" sz="2800" dirty="0" smtClean="0"/>
+              <a:rPr lang="en-US" altLang="ko-KR" sz="2800" dirty="0"/>
               <a:t>Texture Sampling</a:t>
             </a:r>
-            <a:endParaRPr lang="ko-KR" altLang="en-US" sz="2800" dirty="0" smtClean="0"/>
+            <a:endParaRPr lang="ko-KR" altLang="en-US" sz="2800" dirty="0"/>
           </a:p>
         </p:txBody>
       </p:sp>
@@ -12360,38 +12333,38 @@
           <a:p>
             <a:pPr latinLnBrk="0"/>
             <a:r>
-              <a:rPr lang="en-US" altLang="ko-KR" dirty="0" smtClean="0"/>
+              <a:rPr lang="en-US" altLang="ko-KR" dirty="0"/>
               <a:t>Sampling </a:t>
             </a:r>
             <a:r>
-              <a:rPr lang="ko-KR" altLang="en-US" dirty="0" smtClean="0"/>
+              <a:rPr lang="ko-KR" altLang="en-US" dirty="0"/>
               <a:t>을 위해선 </a:t>
             </a:r>
             <a:r>
-              <a:rPr lang="ko-KR" altLang="en-US" dirty="0" err="1" smtClean="0"/>
+              <a:rPr lang="ko-KR" altLang="en-US" dirty="0" err="1"/>
               <a:t>텍스쳐</a:t>
             </a:r>
             <a:r>
-              <a:rPr lang="ko-KR" altLang="en-US" dirty="0" smtClean="0"/>
+              <a:rPr lang="ko-KR" altLang="en-US" dirty="0"/>
               <a:t> 좌표가 필요하고 좌표를 얻기 위해선 </a:t>
             </a:r>
             <a:r>
-              <a:rPr lang="ko-KR" altLang="en-US" dirty="0" err="1" smtClean="0"/>
+              <a:rPr lang="ko-KR" altLang="en-US" dirty="0" err="1"/>
               <a:t>버텍스</a:t>
             </a:r>
             <a:r>
-              <a:rPr lang="ko-KR" altLang="en-US" dirty="0" smtClean="0"/>
+              <a:rPr lang="ko-KR" altLang="en-US" dirty="0"/>
               <a:t> </a:t>
             </a:r>
             <a:r>
-              <a:rPr lang="ko-KR" altLang="en-US" dirty="0" err="1" smtClean="0"/>
+              <a:rPr lang="ko-KR" altLang="en-US" dirty="0" err="1"/>
               <a:t>쉐이더로</a:t>
             </a:r>
             <a:r>
-              <a:rPr lang="ko-KR" altLang="en-US" dirty="0" smtClean="0"/>
+              <a:rPr lang="ko-KR" altLang="en-US" dirty="0"/>
               <a:t> 부터 받아야 함</a:t>
             </a:r>
-            <a:endParaRPr lang="en-US" altLang="ko-KR" dirty="0" smtClean="0"/>
+            <a:endParaRPr lang="en-US" altLang="ko-KR" dirty="0"/>
           </a:p>
           <a:p>
             <a:pPr latinLnBrk="0"/>
@@ -12400,13 +12373,13 @@
           <a:p>
             <a:pPr latinLnBrk="0"/>
             <a:r>
-              <a:rPr lang="en-US" altLang="ko-KR" dirty="0" smtClean="0">
+              <a:rPr lang="en-US" altLang="ko-KR" dirty="0">
                 <a:sym typeface="Wingdings" pitchFamily="2" charset="2"/>
               </a:rPr>
               <a:t> </a:t>
             </a:r>
             <a:r>
-              <a:rPr lang="en-US" altLang="ko-KR" sz="2800" dirty="0" smtClean="0">
+              <a:rPr lang="en-US" altLang="ko-KR" sz="2800" dirty="0">
                 <a:solidFill>
                   <a:srgbClr val="FF0000"/>
                 </a:solidFill>
@@ -12414,7 +12387,7 @@
               </a:rPr>
               <a:t>Attribute</a:t>
             </a:r>
-            <a:endParaRPr lang="ko-KR" altLang="en-US" sz="2800" dirty="0" smtClean="0">
+            <a:endParaRPr lang="ko-KR" altLang="en-US" sz="2800" dirty="0">
               <a:solidFill>
                 <a:srgbClr val="FF0000"/>
               </a:solidFill>
@@ -12560,7 +12533,7 @@
                 <a:p>
                   <a:pPr algn="ctr"/>
                   <a:r>
-                    <a:rPr lang="en-US" altLang="ko-KR" b="1" dirty="0" smtClean="0">
+                    <a:rPr lang="en-US" altLang="ko-KR" b="1" dirty="0">
                       <a:effectLst>
                         <a:outerShdw blurRad="38100" dist="38100" dir="2700000" algn="tl">
                           <a:srgbClr val="000000">
@@ -12572,7 +12545,7 @@
                     <a:t>Vertex </a:t>
                   </a:r>
                   <a:r>
-                    <a:rPr lang="en-US" altLang="ko-KR" b="1" dirty="0" err="1" smtClean="0">
+                    <a:rPr lang="en-US" altLang="ko-KR" b="1" dirty="0" err="1">
                       <a:effectLst>
                         <a:outerShdw blurRad="38100" dist="38100" dir="2700000" algn="tl">
                           <a:srgbClr val="000000">
@@ -12731,7 +12704,7 @@
             <a:lstStyle/>
             <a:p>
               <a:r>
-                <a:rPr lang="en-US" altLang="ko-KR" sz="4400" dirty="0" smtClean="0"/>
+                <a:rPr lang="en-US" altLang="ko-KR" sz="4400" dirty="0"/>
                 <a:t>…</a:t>
               </a:r>
               <a:endParaRPr lang="ko-KR" altLang="en-US" sz="4400" dirty="0"/>
@@ -12776,12 +12749,12 @@
             <a:lstStyle/>
             <a:p>
               <a:r>
-                <a:rPr lang="en-US" altLang="ko-KR" dirty="0" smtClean="0">
+                <a:rPr lang="en-US" altLang="ko-KR" dirty="0">
                   <a:sym typeface="Wingdings" pitchFamily="2" charset="2"/>
                 </a:rPr>
                 <a:t>in vec3 Position;</a:t>
               </a:r>
-              <a:endParaRPr lang="en-US" altLang="ko-KR" dirty="0" smtClean="0"/>
+              <a:endParaRPr lang="en-US" altLang="ko-KR" dirty="0"/>
             </a:p>
           </p:txBody>
         </p:sp>
@@ -12902,7 +12875,7 @@
             <a:lstStyle/>
             <a:p>
               <a:r>
-                <a:rPr lang="en-US" altLang="ko-KR" dirty="0" smtClean="0">
+                <a:rPr lang="en-US" altLang="ko-KR" dirty="0">
                   <a:sym typeface="Wingdings" pitchFamily="2" charset="2"/>
                 </a:rPr>
                 <a:t>in vec3 Position;</a:t>
@@ -12989,24 +12962,24 @@
             <a:lstStyle/>
             <a:p>
               <a:r>
-                <a:rPr lang="en-US" altLang="ko-KR" dirty="0" smtClean="0">
+                <a:rPr lang="en-US" altLang="ko-KR" dirty="0">
                   <a:sym typeface="Wingdings" pitchFamily="2" charset="2"/>
                 </a:rPr>
                 <a:t>in vec2 </a:t>
               </a:r>
               <a:r>
-                <a:rPr lang="en-US" altLang="ko-KR" dirty="0" err="1" smtClean="0">
+                <a:rPr lang="en-US" altLang="ko-KR" dirty="0" err="1">
                   <a:sym typeface="Wingdings" pitchFamily="2" charset="2"/>
                 </a:rPr>
                 <a:t>TexPos</a:t>
               </a:r>
               <a:r>
-                <a:rPr lang="en-US" altLang="ko-KR" dirty="0" smtClean="0">
+                <a:rPr lang="en-US" altLang="ko-KR" dirty="0">
                   <a:sym typeface="Wingdings" pitchFamily="2" charset="2"/>
                 </a:rPr>
                 <a:t>;</a:t>
               </a:r>
-              <a:endParaRPr lang="en-US" altLang="ko-KR" dirty="0" smtClean="0"/>
+              <a:endParaRPr lang="en-US" altLang="ko-KR" dirty="0"/>
             </a:p>
           </p:txBody>
         </p:sp>
@@ -13129,7 +13102,7 @@
                 <a:p>
                   <a:pPr algn="ctr"/>
                   <a:r>
-                    <a:rPr lang="en-US" altLang="ko-KR" b="1" dirty="0" smtClean="0">
+                    <a:rPr lang="en-US" altLang="ko-KR" b="1" dirty="0">
                       <a:effectLst>
                         <a:outerShdw blurRad="38100" dist="38100" dir="2700000" algn="tl">
                           <a:srgbClr val="000000">
@@ -13141,7 +13114,7 @@
                     <a:t>Vertex </a:t>
                   </a:r>
                   <a:r>
-                    <a:rPr lang="en-US" altLang="ko-KR" b="1" dirty="0" err="1" smtClean="0">
+                    <a:rPr lang="en-US" altLang="ko-KR" b="1" dirty="0" err="1">
                       <a:effectLst>
                         <a:outerShdw blurRad="38100" dist="38100" dir="2700000" algn="tl">
                           <a:srgbClr val="000000">
@@ -13300,7 +13273,7 @@
             <a:lstStyle/>
             <a:p>
               <a:r>
-                <a:rPr lang="en-US" altLang="ko-KR" sz="4400" dirty="0" smtClean="0"/>
+                <a:rPr lang="en-US" altLang="ko-KR" sz="4400" dirty="0"/>
                 <a:t>…</a:t>
               </a:r>
               <a:endParaRPr lang="ko-KR" altLang="en-US" sz="4400" dirty="0"/>
@@ -14404,7 +14377,7 @@
                       </m:oMath>
                     </m:oMathPara>
                   </a14:m>
-                  <a:endParaRPr lang="ko-KR" altLang="en-US" sz="1600" dirty="0" smtClean="0"/>
+                  <a:endParaRPr lang="ko-KR" altLang="en-US" sz="1600" dirty="0"/>
                 </a:p>
               </p:txBody>
             </p:sp>
@@ -14538,7 +14511,7 @@
                       </m:oMath>
                     </m:oMathPara>
                   </a14:m>
-                  <a:endParaRPr lang="ko-KR" altLang="en-US" sz="1600" dirty="0" smtClean="0"/>
+                  <a:endParaRPr lang="ko-KR" altLang="en-US" sz="1600" dirty="0"/>
                 </a:p>
               </p:txBody>
             </p:sp>
@@ -14672,7 +14645,7 @@
                       </m:oMath>
                     </m:oMathPara>
                   </a14:m>
-                  <a:endParaRPr lang="ko-KR" altLang="en-US" sz="1600" dirty="0" smtClean="0"/>
+                  <a:endParaRPr lang="ko-KR" altLang="en-US" sz="1600" dirty="0"/>
                 </a:p>
               </p:txBody>
             </p:sp>
@@ -14775,7 +14748,7 @@
                       </m:oMath>
                     </m:oMathPara>
                   </a14:m>
-                  <a:endParaRPr lang="ko-KR" altLang="en-US" sz="1600" dirty="0" smtClean="0"/>
+                  <a:endParaRPr lang="ko-KR" altLang="en-US" sz="1600" dirty="0"/>
                 </a:p>
               </p:txBody>
             </p:sp>
@@ -15030,7 +15003,7 @@
                       </m:oMath>
                     </m:oMathPara>
                   </a14:m>
-                  <a:endParaRPr lang="ko-KR" altLang="en-US" sz="1600" dirty="0" smtClean="0"/>
+                  <a:endParaRPr lang="ko-KR" altLang="en-US" sz="1600" dirty="0"/>
                 </a:p>
               </p:txBody>
             </p:sp>
@@ -15133,7 +15106,7 @@
                       </m:oMath>
                     </m:oMathPara>
                   </a14:m>
-                  <a:endParaRPr lang="ko-KR" altLang="en-US" sz="1600" dirty="0" smtClean="0"/>
+                  <a:endParaRPr lang="ko-KR" altLang="en-US" sz="1600" dirty="0"/>
                 </a:p>
               </p:txBody>
             </p:sp>
@@ -15236,7 +15209,7 @@
                       </m:oMath>
                     </m:oMathPara>
                   </a14:m>
-                  <a:endParaRPr lang="ko-KR" altLang="en-US" sz="1600" dirty="0" smtClean="0"/>
+                  <a:endParaRPr lang="ko-KR" altLang="en-US" sz="1600" dirty="0"/>
                 </a:p>
               </p:txBody>
             </p:sp>
@@ -15339,7 +15312,7 @@
                       </m:oMath>
                     </m:oMathPara>
                   </a14:m>
-                  <a:endParaRPr lang="ko-KR" altLang="en-US" sz="1600" dirty="0" smtClean="0"/>
+                  <a:endParaRPr lang="ko-KR" altLang="en-US" sz="1600" dirty="0"/>
                 </a:p>
               </p:txBody>
             </p:sp>
@@ -15754,56 +15727,56 @@
           <a:p>
             <a:pPr algn="ctr" latinLnBrk="0"/>
             <a:r>
-              <a:rPr lang="ko-KR" altLang="en-US" dirty="0" err="1" smtClean="0"/>
+              <a:rPr lang="ko-KR" altLang="en-US" dirty="0" err="1"/>
               <a:t>버텍스당</a:t>
             </a:r>
             <a:r>
-              <a:rPr lang="ko-KR" altLang="en-US" dirty="0" smtClean="0"/>
+              <a:rPr lang="ko-KR" altLang="en-US" dirty="0"/>
               <a:t> </a:t>
             </a:r>
             <a:r>
-              <a:rPr lang="ko-KR" altLang="en-US" dirty="0" err="1" smtClean="0"/>
+              <a:rPr lang="ko-KR" altLang="en-US" dirty="0" err="1"/>
               <a:t>텍스쳐</a:t>
             </a:r>
             <a:r>
-              <a:rPr lang="ko-KR" altLang="en-US" dirty="0" smtClean="0"/>
+              <a:rPr lang="ko-KR" altLang="en-US" dirty="0"/>
               <a:t> 좌표 하나씩 필요함</a:t>
             </a:r>
-            <a:endParaRPr lang="en-US" altLang="ko-KR" dirty="0" smtClean="0"/>
+            <a:endParaRPr lang="en-US" altLang="ko-KR" dirty="0"/>
           </a:p>
           <a:p>
             <a:pPr algn="ctr" latinLnBrk="0"/>
             <a:r>
-              <a:rPr lang="en-US" altLang="ko-KR" dirty="0" smtClean="0">
+              <a:rPr lang="en-US" altLang="ko-KR" dirty="0">
                 <a:sym typeface="Wingdings" pitchFamily="2" charset="2"/>
               </a:rPr>
               <a:t> </a:t>
             </a:r>
             <a:r>
-              <a:rPr lang="ko-KR" altLang="en-US" dirty="0" err="1" smtClean="0">
+              <a:rPr lang="ko-KR" altLang="en-US" dirty="0" err="1">
                 <a:sym typeface="Wingdings" pitchFamily="2" charset="2"/>
               </a:rPr>
               <a:t>버텍스</a:t>
             </a:r>
             <a:r>
-              <a:rPr lang="ko-KR" altLang="en-US" dirty="0" smtClean="0">
+              <a:rPr lang="ko-KR" altLang="en-US" dirty="0">
                 <a:sym typeface="Wingdings" pitchFamily="2" charset="2"/>
               </a:rPr>
               <a:t> 정보에 </a:t>
             </a:r>
             <a:r>
-              <a:rPr lang="ko-KR" altLang="en-US" dirty="0" err="1" smtClean="0">
+              <a:rPr lang="ko-KR" altLang="en-US" dirty="0" err="1">
                 <a:sym typeface="Wingdings" pitchFamily="2" charset="2"/>
               </a:rPr>
               <a:t>텍스쳐</a:t>
             </a:r>
             <a:r>
-              <a:rPr lang="ko-KR" altLang="en-US" dirty="0" smtClean="0">
+              <a:rPr lang="ko-KR" altLang="en-US" dirty="0">
                 <a:sym typeface="Wingdings" pitchFamily="2" charset="2"/>
               </a:rPr>
               <a:t> 좌표 추가 필요</a:t>
             </a:r>
-            <a:endParaRPr lang="ko-KR" altLang="en-US" dirty="0" smtClean="0"/>
+            <a:endParaRPr lang="ko-KR" altLang="en-US" dirty="0"/>
           </a:p>
         </p:txBody>
       </p:sp>
@@ -16903,7 +16876,7 @@
                       </m:oMath>
                     </m:oMathPara>
                   </a14:m>
-                  <a:endParaRPr lang="ko-KR" altLang="en-US" sz="2800" dirty="0" smtClean="0"/>
+                  <a:endParaRPr lang="ko-KR" altLang="en-US" sz="2800" dirty="0"/>
                 </a:p>
               </p:txBody>
             </p:sp>
@@ -17037,7 +17010,7 @@
                       </m:oMath>
                     </m:oMathPara>
                   </a14:m>
-                  <a:endParaRPr lang="ko-KR" altLang="en-US" sz="2800" dirty="0" smtClean="0"/>
+                  <a:endParaRPr lang="ko-KR" altLang="en-US" sz="2800" dirty="0"/>
                 </a:p>
               </p:txBody>
             </p:sp>
@@ -17171,7 +17144,7 @@
                       </m:oMath>
                     </m:oMathPara>
                   </a14:m>
-                  <a:endParaRPr lang="ko-KR" altLang="en-US" sz="2800" dirty="0" smtClean="0"/>
+                  <a:endParaRPr lang="ko-KR" altLang="en-US" sz="2800" dirty="0"/>
                 </a:p>
               </p:txBody>
             </p:sp>
@@ -17274,7 +17247,7 @@
                       </m:oMath>
                     </m:oMathPara>
                   </a14:m>
-                  <a:endParaRPr lang="ko-KR" altLang="en-US" sz="2800" dirty="0" smtClean="0"/>
+                  <a:endParaRPr lang="ko-KR" altLang="en-US" sz="2800" dirty="0"/>
                 </a:p>
               </p:txBody>
             </p:sp>
@@ -17529,7 +17502,7 @@
                       </m:oMath>
                     </m:oMathPara>
                   </a14:m>
-                  <a:endParaRPr lang="ko-KR" altLang="en-US" sz="2800" dirty="0" smtClean="0"/>
+                  <a:endParaRPr lang="ko-KR" altLang="en-US" sz="2800" dirty="0"/>
                 </a:p>
               </p:txBody>
             </p:sp>
@@ -17632,7 +17605,7 @@
                       </m:oMath>
                     </m:oMathPara>
                   </a14:m>
-                  <a:endParaRPr lang="ko-KR" altLang="en-US" sz="2800" dirty="0" smtClean="0"/>
+                  <a:endParaRPr lang="ko-KR" altLang="en-US" sz="2800" dirty="0"/>
                 </a:p>
               </p:txBody>
             </p:sp>
@@ -17735,7 +17708,7 @@
                       </m:oMath>
                     </m:oMathPara>
                   </a14:m>
-                  <a:endParaRPr lang="ko-KR" altLang="en-US" sz="2800" dirty="0" smtClean="0"/>
+                  <a:endParaRPr lang="ko-KR" altLang="en-US" sz="2800" dirty="0"/>
                 </a:p>
               </p:txBody>
             </p:sp>
@@ -17838,7 +17811,7 @@
                       </m:oMath>
                     </m:oMathPara>
                   </a14:m>
-                  <a:endParaRPr lang="ko-KR" altLang="en-US" sz="2800" dirty="0" smtClean="0"/>
+                  <a:endParaRPr lang="ko-KR" altLang="en-US" sz="2800" dirty="0"/>
                 </a:p>
               </p:txBody>
             </p:sp>
@@ -18284,14 +18257,14 @@
                   </m:oMath>
                 </a14:m>
                 <a:r>
-                  <a:rPr lang="ko-KR" altLang="en-US" dirty="0" smtClean="0"/>
+                  <a:rPr lang="ko-KR" altLang="en-US" dirty="0"/>
                   <a:t> </a:t>
                 </a:r>
                 <a:r>
-                  <a:rPr lang="en-US" altLang="ko-KR" dirty="0" smtClean="0"/>
+                  <a:rPr lang="en-US" altLang="ko-KR" dirty="0"/>
                   <a:t>= (0.0f, 0.0f)</a:t>
                 </a:r>
-                <a:endParaRPr lang="ko-KR" altLang="en-US" dirty="0" smtClean="0"/>
+                <a:endParaRPr lang="ko-KR" altLang="en-US" dirty="0"/>
               </a:p>
             </p:txBody>
           </p:sp>
@@ -18390,14 +18363,14 @@
                   </m:oMath>
                 </a14:m>
                 <a:r>
-                  <a:rPr lang="ko-KR" altLang="en-US" dirty="0" smtClean="0"/>
+                  <a:rPr lang="ko-KR" altLang="en-US" dirty="0"/>
                   <a:t> </a:t>
                 </a:r>
                 <a:r>
-                  <a:rPr lang="en-US" altLang="ko-KR" dirty="0" smtClean="0"/>
+                  <a:rPr lang="en-US" altLang="ko-KR" dirty="0"/>
                   <a:t>= (0.0f, 1.0f)</a:t>
                 </a:r>
-                <a:endParaRPr lang="ko-KR" altLang="en-US" dirty="0" smtClean="0"/>
+                <a:endParaRPr lang="ko-KR" altLang="en-US" dirty="0"/>
               </a:p>
             </p:txBody>
           </p:sp>
@@ -18496,14 +18469,14 @@
                   </m:oMath>
                 </a14:m>
                 <a:r>
-                  <a:rPr lang="ko-KR" altLang="en-US" dirty="0" smtClean="0"/>
+                  <a:rPr lang="ko-KR" altLang="en-US" dirty="0"/>
                   <a:t> </a:t>
                 </a:r>
                 <a:r>
-                  <a:rPr lang="en-US" altLang="ko-KR" dirty="0" smtClean="0"/>
+                  <a:rPr lang="en-US" altLang="ko-KR" dirty="0"/>
                   <a:t>= (1.0f, 0.0f)</a:t>
                 </a:r>
-                <a:endParaRPr lang="ko-KR" altLang="en-US" dirty="0" smtClean="0"/>
+                <a:endParaRPr lang="ko-KR" altLang="en-US" dirty="0"/>
               </a:p>
             </p:txBody>
           </p:sp>
@@ -18602,14 +18575,14 @@
                   </m:oMath>
                 </a14:m>
                 <a:r>
-                  <a:rPr lang="ko-KR" altLang="en-US" dirty="0" smtClean="0"/>
+                  <a:rPr lang="ko-KR" altLang="en-US" dirty="0"/>
                   <a:t> </a:t>
                 </a:r>
                 <a:r>
-                  <a:rPr lang="en-US" altLang="ko-KR" dirty="0" smtClean="0"/>
+                  <a:rPr lang="en-US" altLang="ko-KR" dirty="0"/>
                   <a:t>= (1.0f, 1.0f)</a:t>
                 </a:r>
-                <a:endParaRPr lang="ko-KR" altLang="en-US" dirty="0" smtClean="0"/>
+                <a:endParaRPr lang="ko-KR" altLang="en-US" dirty="0"/>
               </a:p>
             </p:txBody>
           </p:sp>
@@ -18708,14 +18681,14 @@
                   </m:oMath>
                 </a14:m>
                 <a:r>
-                  <a:rPr lang="ko-KR" altLang="en-US" sz="2400" dirty="0" smtClean="0"/>
+                  <a:rPr lang="ko-KR" altLang="en-US" sz="2400" dirty="0"/>
                   <a:t> </a:t>
                 </a:r>
                 <a:r>
-                  <a:rPr lang="en-US" altLang="ko-KR" sz="2400" dirty="0" smtClean="0"/>
+                  <a:rPr lang="en-US" altLang="ko-KR" sz="2400" dirty="0"/>
                   <a:t>= (-0.5f, 0.5f, 0.0f)</a:t>
                 </a:r>
-                <a:endParaRPr lang="ko-KR" altLang="en-US" sz="2400" dirty="0" smtClean="0"/>
+                <a:endParaRPr lang="ko-KR" altLang="en-US" sz="2400" dirty="0"/>
               </a:p>
             </p:txBody>
           </p:sp>
@@ -18814,14 +18787,14 @@
                   </m:oMath>
                 </a14:m>
                 <a:r>
-                  <a:rPr lang="ko-KR" altLang="en-US" sz="2400" dirty="0" smtClean="0"/>
+                  <a:rPr lang="ko-KR" altLang="en-US" sz="2400" dirty="0"/>
                   <a:t> </a:t>
                 </a:r>
                 <a:r>
-                  <a:rPr lang="en-US" altLang="ko-KR" sz="2400" dirty="0" smtClean="0"/>
+                  <a:rPr lang="en-US" altLang="ko-KR" sz="2400" dirty="0"/>
                   <a:t>= (-0.5f, -0.5f, 0.0f)</a:t>
                 </a:r>
-                <a:endParaRPr lang="ko-KR" altLang="en-US" sz="2400" dirty="0" smtClean="0"/>
+                <a:endParaRPr lang="ko-KR" altLang="en-US" sz="2400" dirty="0"/>
               </a:p>
             </p:txBody>
           </p:sp>
@@ -18920,14 +18893,14 @@
                   </m:oMath>
                 </a14:m>
                 <a:r>
-                  <a:rPr lang="ko-KR" altLang="en-US" sz="2400" dirty="0" smtClean="0"/>
+                  <a:rPr lang="ko-KR" altLang="en-US" sz="2400" dirty="0"/>
                   <a:t> </a:t>
                 </a:r>
                 <a:r>
-                  <a:rPr lang="en-US" altLang="ko-KR" sz="2400" dirty="0" smtClean="0"/>
+                  <a:rPr lang="en-US" altLang="ko-KR" sz="2400" dirty="0"/>
                   <a:t>= (0.5f, 0.5f, 0.0f)</a:t>
                 </a:r>
-                <a:endParaRPr lang="ko-KR" altLang="en-US" sz="2400" dirty="0" smtClean="0"/>
+                <a:endParaRPr lang="ko-KR" altLang="en-US" sz="2400" dirty="0"/>
               </a:p>
             </p:txBody>
           </p:sp>
@@ -19026,14 +18999,14 @@
                   </m:oMath>
                 </a14:m>
                 <a:r>
-                  <a:rPr lang="ko-KR" altLang="en-US" sz="2400" dirty="0" smtClean="0"/>
+                  <a:rPr lang="ko-KR" altLang="en-US" sz="2400" dirty="0"/>
                   <a:t> </a:t>
                 </a:r>
                 <a:r>
-                  <a:rPr lang="en-US" altLang="ko-KR" sz="2400" dirty="0" smtClean="0"/>
+                  <a:rPr lang="en-US" altLang="ko-KR" sz="2400" dirty="0"/>
                   <a:t>= (0.5f, 0.5f, 0.0f)</a:t>
                 </a:r>
-                <a:endParaRPr lang="ko-KR" altLang="en-US" sz="2400" dirty="0" smtClean="0"/>
+                <a:endParaRPr lang="ko-KR" altLang="en-US" sz="2400" dirty="0"/>
               </a:p>
             </p:txBody>
           </p:sp>
@@ -19132,14 +19105,14 @@
                   </m:oMath>
                 </a14:m>
                 <a:r>
-                  <a:rPr lang="ko-KR" altLang="en-US" sz="2400" dirty="0" smtClean="0"/>
+                  <a:rPr lang="ko-KR" altLang="en-US" sz="2400" dirty="0"/>
                   <a:t> </a:t>
                 </a:r>
                 <a:r>
-                  <a:rPr lang="en-US" altLang="ko-KR" sz="2400" dirty="0" smtClean="0"/>
+                  <a:rPr lang="en-US" altLang="ko-KR" sz="2400" dirty="0"/>
                   <a:t>= (-0.5f, -0.5f, 0.0f)</a:t>
                 </a:r>
-                <a:endParaRPr lang="ko-KR" altLang="en-US" sz="2400" dirty="0" smtClean="0"/>
+                <a:endParaRPr lang="ko-KR" altLang="en-US" sz="2400" dirty="0"/>
               </a:p>
             </p:txBody>
           </p:sp>
@@ -19238,14 +19211,14 @@
                   </m:oMath>
                 </a14:m>
                 <a:r>
-                  <a:rPr lang="ko-KR" altLang="en-US" sz="2400" dirty="0" smtClean="0"/>
+                  <a:rPr lang="ko-KR" altLang="en-US" sz="2400" dirty="0"/>
                   <a:t> </a:t>
                 </a:r>
                 <a:r>
-                  <a:rPr lang="en-US" altLang="ko-KR" sz="2400" dirty="0" smtClean="0"/>
+                  <a:rPr lang="en-US" altLang="ko-KR" sz="2400" dirty="0"/>
                   <a:t>= (0.5f, -0.5f, 0.0f)</a:t>
                 </a:r>
-                <a:endParaRPr lang="ko-KR" altLang="en-US" sz="2400" dirty="0" smtClean="0"/>
+                <a:endParaRPr lang="ko-KR" altLang="en-US" sz="2400" dirty="0"/>
               </a:p>
             </p:txBody>
           </p:sp>
@@ -19335,10 +19308,9 @@
           <a:lstStyle/>
           <a:p>
             <a:r>
-              <a:rPr lang="ko-KR" altLang="en-US" dirty="0" smtClean="0"/>
+              <a:rPr lang="ko-KR" altLang="en-US" dirty="0"/>
               <a:t>지난 시간</a:t>
             </a:r>
-            <a:endParaRPr lang="ko-KR" altLang="en-US" dirty="0"/>
           </a:p>
         </p:txBody>
       </p:sp>
@@ -19390,11 +19362,7 @@
             </a:r>
             <a:r>
               <a:rPr lang="ko-KR" altLang="en-US" dirty="0"/>
-              <a:t> 사용 </a:t>
-            </a:r>
-            <a:r>
-              <a:rPr lang="ko-KR" altLang="en-US" dirty="0" smtClean="0"/>
-              <a:t>애니메이션</a:t>
+              <a:t> 사용 애니메이션</a:t>
             </a:r>
             <a:endParaRPr lang="en-US" altLang="ko-KR" dirty="0"/>
           </a:p>
@@ -19410,13 +19378,6 @@
   <p:clrMapOvr>
     <a:masterClrMapping/>
   </p:clrMapOvr>
-  <p:timing>
-    <p:tnLst>
-      <p:par>
-        <p:cTn id="1" dur="indefinite" restart="never" nodeType="tmRoot"/>
-      </p:par>
-    </p:tnLst>
-  </p:timing>
 </p:sld>
 </file>
 
@@ -20503,7 +20464,7 @@
                       </m:oMath>
                     </m:oMathPara>
                   </a14:m>
-                  <a:endParaRPr lang="ko-KR" altLang="en-US" sz="2800" dirty="0" smtClean="0"/>
+                  <a:endParaRPr lang="ko-KR" altLang="en-US" sz="2800" dirty="0"/>
                 </a:p>
               </p:txBody>
             </p:sp>
@@ -20637,7 +20598,7 @@
                       </m:oMath>
                     </m:oMathPara>
                   </a14:m>
-                  <a:endParaRPr lang="ko-KR" altLang="en-US" sz="2800" dirty="0" smtClean="0"/>
+                  <a:endParaRPr lang="ko-KR" altLang="en-US" sz="2800" dirty="0"/>
                 </a:p>
               </p:txBody>
             </p:sp>
@@ -20771,7 +20732,7 @@
                       </m:oMath>
                     </m:oMathPara>
                   </a14:m>
-                  <a:endParaRPr lang="ko-KR" altLang="en-US" sz="2800" dirty="0" smtClean="0"/>
+                  <a:endParaRPr lang="ko-KR" altLang="en-US" sz="2800" dirty="0"/>
                 </a:p>
               </p:txBody>
             </p:sp>
@@ -20874,7 +20835,7 @@
                       </m:oMath>
                     </m:oMathPara>
                   </a14:m>
-                  <a:endParaRPr lang="ko-KR" altLang="en-US" sz="2800" dirty="0" smtClean="0"/>
+                  <a:endParaRPr lang="ko-KR" altLang="en-US" sz="2800" dirty="0"/>
                 </a:p>
               </p:txBody>
             </p:sp>
@@ -21129,7 +21090,7 @@
                       </m:oMath>
                     </m:oMathPara>
                   </a14:m>
-                  <a:endParaRPr lang="ko-KR" altLang="en-US" sz="2800" dirty="0" smtClean="0"/>
+                  <a:endParaRPr lang="ko-KR" altLang="en-US" sz="2800" dirty="0"/>
                 </a:p>
               </p:txBody>
             </p:sp>
@@ -21232,7 +21193,7 @@
                       </m:oMath>
                     </m:oMathPara>
                   </a14:m>
-                  <a:endParaRPr lang="ko-KR" altLang="en-US" sz="2800" dirty="0" smtClean="0"/>
+                  <a:endParaRPr lang="ko-KR" altLang="en-US" sz="2800" dirty="0"/>
                 </a:p>
               </p:txBody>
             </p:sp>
@@ -21335,7 +21296,7 @@
                       </m:oMath>
                     </m:oMathPara>
                   </a14:m>
-                  <a:endParaRPr lang="ko-KR" altLang="en-US" sz="2800" dirty="0" smtClean="0"/>
+                  <a:endParaRPr lang="ko-KR" altLang="en-US" sz="2800" dirty="0"/>
                 </a:p>
               </p:txBody>
             </p:sp>
@@ -21438,7 +21399,7 @@
                       </m:oMath>
                     </m:oMathPara>
                   </a14:m>
-                  <a:endParaRPr lang="ko-KR" altLang="en-US" sz="2800" dirty="0" smtClean="0"/>
+                  <a:endParaRPr lang="ko-KR" altLang="en-US" sz="2800" dirty="0"/>
                 </a:p>
               </p:txBody>
             </p:sp>
@@ -21888,7 +21849,7 @@
                     </m:oMath>
                   </m:oMathPara>
                 </a14:m>
-                <a:endParaRPr lang="ko-KR" altLang="en-US" sz="2800" dirty="0" smtClean="0"/>
+                <a:endParaRPr lang="ko-KR" altLang="en-US" sz="2800" dirty="0"/>
               </a:p>
             </p:txBody>
           </p:sp>
@@ -21991,7 +21952,7 @@
                     </m:oMath>
                   </m:oMathPara>
                 </a14:m>
-                <a:endParaRPr lang="ko-KR" altLang="en-US" sz="2800" dirty="0" smtClean="0"/>
+                <a:endParaRPr lang="ko-KR" altLang="en-US" sz="2800" dirty="0"/>
               </a:p>
             </p:txBody>
           </p:sp>
@@ -22094,7 +22055,7 @@
                     </m:oMath>
                   </m:oMathPara>
                 </a14:m>
-                <a:endParaRPr lang="ko-KR" altLang="en-US" sz="2800" dirty="0" smtClean="0"/>
+                <a:endParaRPr lang="ko-KR" altLang="en-US" sz="2800" dirty="0"/>
               </a:p>
             </p:txBody>
           </p:sp>
@@ -22197,7 +22158,7 @@
                     </m:oMath>
                   </m:oMathPara>
                 </a14:m>
-                <a:endParaRPr lang="ko-KR" altLang="en-US" sz="2800" dirty="0" smtClean="0"/>
+                <a:endParaRPr lang="ko-KR" altLang="en-US" sz="2800" dirty="0"/>
               </a:p>
             </p:txBody>
           </p:sp>
@@ -22300,7 +22261,7 @@
                     </m:oMath>
                   </m:oMathPara>
                 </a14:m>
-                <a:endParaRPr lang="ko-KR" altLang="en-US" sz="2800" dirty="0" smtClean="0"/>
+                <a:endParaRPr lang="ko-KR" altLang="en-US" sz="2800" dirty="0"/>
               </a:p>
             </p:txBody>
           </p:sp>
@@ -22403,7 +22364,7 @@
                     </m:oMath>
                   </m:oMathPara>
                 </a14:m>
-                <a:endParaRPr lang="ko-KR" altLang="en-US" sz="2800" dirty="0" smtClean="0"/>
+                <a:endParaRPr lang="ko-KR" altLang="en-US" sz="2800" dirty="0"/>
               </a:p>
             </p:txBody>
           </p:sp>
@@ -22626,7 +22587,7 @@
                     </m:oMath>
                   </m:oMathPara>
                 </a14:m>
-                <a:endParaRPr lang="ko-KR" altLang="en-US" sz="2800" dirty="0" smtClean="0"/>
+                <a:endParaRPr lang="ko-KR" altLang="en-US" sz="2800" dirty="0"/>
               </a:p>
             </p:txBody>
           </p:sp>
@@ -22729,7 +22690,7 @@
                     </m:oMath>
                   </m:oMathPara>
                 </a14:m>
-                <a:endParaRPr lang="ko-KR" altLang="en-US" sz="2800" dirty="0" smtClean="0"/>
+                <a:endParaRPr lang="ko-KR" altLang="en-US" sz="2800" dirty="0"/>
               </a:p>
             </p:txBody>
           </p:sp>
@@ -22832,7 +22793,7 @@
                     </m:oMath>
                   </m:oMathPara>
                 </a14:m>
-                <a:endParaRPr lang="ko-KR" altLang="en-US" sz="2800" dirty="0" smtClean="0"/>
+                <a:endParaRPr lang="ko-KR" altLang="en-US" sz="2800" dirty="0"/>
               </a:p>
             </p:txBody>
           </p:sp>
@@ -22935,7 +22896,7 @@
                     </m:oMath>
                   </m:oMathPara>
                 </a14:m>
-                <a:endParaRPr lang="ko-KR" altLang="en-US" sz="2800" dirty="0" smtClean="0"/>
+                <a:endParaRPr lang="ko-KR" altLang="en-US" sz="2800" dirty="0"/>
               </a:p>
             </p:txBody>
           </p:sp>
@@ -23215,15 +23176,15 @@
                   </m:oMath>
                 </a14:m>
                 <a:r>
-                  <a:rPr lang="ko-KR" altLang="en-US" sz="2400" dirty="0" smtClean="0"/>
+                  <a:rPr lang="ko-KR" altLang="en-US" sz="2400" dirty="0"/>
                   <a:t> </a:t>
                 </a:r>
                 <a:r>
-                  <a:rPr lang="en-US" altLang="ko-KR" sz="2400" dirty="0" smtClean="0"/>
+                  <a:rPr lang="en-US" altLang="ko-KR" sz="2400" dirty="0"/>
                   <a:t>= (-0.5f, 0.5f, 0.0f, </a:t>
                 </a:r>
                 <a:r>
-                  <a:rPr lang="en-US" altLang="ko-KR" sz="2400" dirty="0" smtClean="0">
+                  <a:rPr lang="en-US" altLang="ko-KR" sz="2400" dirty="0">
                     <a:solidFill>
                       <a:srgbClr val="FF0000"/>
                     </a:solidFill>
@@ -23231,10 +23192,10 @@
                   <a:t>0.0f, 1.0f</a:t>
                 </a:r>
                 <a:r>
-                  <a:rPr lang="en-US" altLang="ko-KR" sz="2400" dirty="0" smtClean="0"/>
+                  <a:rPr lang="en-US" altLang="ko-KR" sz="2400" dirty="0"/>
                   <a:t>)</a:t>
                 </a:r>
-                <a:endParaRPr lang="ko-KR" altLang="en-US" sz="2400" dirty="0" smtClean="0"/>
+                <a:endParaRPr lang="ko-KR" altLang="en-US" sz="2400" dirty="0"/>
               </a:p>
             </p:txBody>
           </p:sp>
@@ -23333,16 +23294,12 @@
                   </m:oMath>
                 </a14:m>
                 <a:r>
-                  <a:rPr lang="ko-KR" altLang="en-US" sz="2400" dirty="0" smtClean="0"/>
+                  <a:rPr lang="ko-KR" altLang="en-US" sz="2400" dirty="0"/>
                   <a:t> </a:t>
                 </a:r>
                 <a:r>
-                  <a:rPr lang="en-US" altLang="ko-KR" sz="2400" dirty="0" smtClean="0"/>
-                  <a:t>= (-0.5f, -0.5f</a:t>
-                </a:r>
-                <a:r>
                   <a:rPr lang="en-US" altLang="ko-KR" sz="2400" dirty="0"/>
-                  <a:t>, 0.0f , </a:t>
+                  <a:t>= (-0.5f, -0.5f, 0.0f , </a:t>
                 </a:r>
                 <a:r>
                   <a:rPr lang="en-US" altLang="ko-KR" sz="2400" dirty="0">
@@ -23350,21 +23307,13 @@
                       <a:srgbClr val="FF0000"/>
                     </a:solidFill>
                   </a:rPr>
-                  <a:t>0.0f, </a:t>
+                  <a:t>0.0f, 0.0f</a:t>
                 </a:r>
                 <a:r>
-                  <a:rPr lang="en-US" altLang="ko-KR" sz="2400" dirty="0" smtClean="0">
-                    <a:solidFill>
-                      <a:srgbClr val="FF0000"/>
-                    </a:solidFill>
-                  </a:rPr>
-                  <a:t>0.0f</a:t>
-                </a:r>
-                <a:r>
-                  <a:rPr lang="en-US" altLang="ko-KR" sz="2400" dirty="0" smtClean="0"/>
+                  <a:rPr lang="en-US" altLang="ko-KR" sz="2400" dirty="0"/>
                   <a:t>)</a:t>
                 </a:r>
-                <a:endParaRPr lang="ko-KR" altLang="en-US" sz="2400" dirty="0" smtClean="0"/>
+                <a:endParaRPr lang="ko-KR" altLang="en-US" sz="2400" dirty="0"/>
               </a:p>
             </p:txBody>
           </p:sp>
@@ -23463,24 +23412,12 @@
                   </m:oMath>
                 </a14:m>
                 <a:r>
-                  <a:rPr lang="ko-KR" altLang="en-US" sz="2400" dirty="0" smtClean="0"/>
+                  <a:rPr lang="ko-KR" altLang="en-US" sz="2400" dirty="0"/>
                   <a:t> </a:t>
                 </a:r>
                 <a:r>
-                  <a:rPr lang="en-US" altLang="ko-KR" sz="2400" dirty="0" smtClean="0"/>
-                  <a:t>= (0.5f, 0.5f</a:t>
-                </a:r>
-                <a:r>
                   <a:rPr lang="en-US" altLang="ko-KR" sz="2400" dirty="0"/>
-                  <a:t>, 0.0f , </a:t>
-                </a:r>
-                <a:r>
-                  <a:rPr lang="en-US" altLang="ko-KR" sz="2400" dirty="0" smtClean="0">
-                    <a:solidFill>
-                      <a:srgbClr val="FF0000"/>
-                    </a:solidFill>
-                  </a:rPr>
-                  <a:t>1.0f</a:t>
+                  <a:t>= (0.5f, 0.5f, 0.0f , </a:t>
                 </a:r>
                 <a:r>
                   <a:rPr lang="en-US" altLang="ko-KR" sz="2400" dirty="0">
@@ -23488,13 +23425,13 @@
                       <a:srgbClr val="FF0000"/>
                     </a:solidFill>
                   </a:rPr>
-                  <a:t>, 1.0f</a:t>
+                  <a:t>1.0f, 1.0f</a:t>
                 </a:r>
                 <a:r>
-                  <a:rPr lang="en-US" altLang="ko-KR" sz="2400" dirty="0" smtClean="0"/>
+                  <a:rPr lang="en-US" altLang="ko-KR" sz="2400" dirty="0"/>
                   <a:t>)</a:t>
                 </a:r>
-                <a:endParaRPr lang="ko-KR" altLang="en-US" sz="2400" dirty="0" smtClean="0"/>
+                <a:endParaRPr lang="ko-KR" altLang="en-US" sz="2400" dirty="0"/>
               </a:p>
             </p:txBody>
           </p:sp>
@@ -23593,24 +23530,12 @@
                   </m:oMath>
                 </a14:m>
                 <a:r>
-                  <a:rPr lang="ko-KR" altLang="en-US" sz="2400" dirty="0" smtClean="0"/>
+                  <a:rPr lang="ko-KR" altLang="en-US" sz="2400" dirty="0"/>
                   <a:t> </a:t>
                 </a:r>
                 <a:r>
-                  <a:rPr lang="en-US" altLang="ko-KR" sz="2400" dirty="0" smtClean="0"/>
-                  <a:t>= (0.5f, 0.5f</a:t>
-                </a:r>
-                <a:r>
                   <a:rPr lang="en-US" altLang="ko-KR" sz="2400" dirty="0"/>
-                  <a:t>, 0.0f , </a:t>
-                </a:r>
-                <a:r>
-                  <a:rPr lang="en-US" altLang="ko-KR" sz="2400" dirty="0" smtClean="0">
-                    <a:solidFill>
-                      <a:srgbClr val="FF0000"/>
-                    </a:solidFill>
-                  </a:rPr>
-                  <a:t>1.0f</a:t>
+                  <a:t>= (0.5f, 0.5f, 0.0f , </a:t>
                 </a:r>
                 <a:r>
                   <a:rPr lang="en-US" altLang="ko-KR" sz="2400" dirty="0">
@@ -23618,13 +23543,13 @@
                       <a:srgbClr val="FF0000"/>
                     </a:solidFill>
                   </a:rPr>
-                  <a:t>, 1.0f</a:t>
+                  <a:t>1.0f, 1.0f</a:t>
                 </a:r>
                 <a:r>
-                  <a:rPr lang="en-US" altLang="ko-KR" sz="2400" dirty="0" smtClean="0"/>
+                  <a:rPr lang="en-US" altLang="ko-KR" sz="2400" dirty="0"/>
                   <a:t>)</a:t>
                 </a:r>
-                <a:endParaRPr lang="ko-KR" altLang="en-US" sz="2400" dirty="0" smtClean="0"/>
+                <a:endParaRPr lang="ko-KR" altLang="en-US" sz="2400" dirty="0"/>
               </a:p>
             </p:txBody>
           </p:sp>
@@ -23723,16 +23648,12 @@
                   </m:oMath>
                 </a14:m>
                 <a:r>
-                  <a:rPr lang="ko-KR" altLang="en-US" sz="2400" dirty="0" smtClean="0"/>
+                  <a:rPr lang="ko-KR" altLang="en-US" sz="2400" dirty="0"/>
                   <a:t> </a:t>
                 </a:r>
                 <a:r>
-                  <a:rPr lang="en-US" altLang="ko-KR" sz="2400" dirty="0" smtClean="0"/>
-                  <a:t>= (-0.5f, -0.5f</a:t>
-                </a:r>
-                <a:r>
                   <a:rPr lang="en-US" altLang="ko-KR" sz="2400" dirty="0"/>
-                  <a:t>, 0.0f , </a:t>
+                  <a:t>= (-0.5f, -0.5f, 0.0f , </a:t>
                 </a:r>
                 <a:r>
                   <a:rPr lang="en-US" altLang="ko-KR" sz="2400" dirty="0">
@@ -23740,21 +23661,13 @@
                       <a:srgbClr val="FF0000"/>
                     </a:solidFill>
                   </a:rPr>
-                  <a:t>0.0f, </a:t>
+                  <a:t>0.0f, 0.0f</a:t>
                 </a:r>
                 <a:r>
-                  <a:rPr lang="en-US" altLang="ko-KR" sz="2400" dirty="0" smtClean="0">
-                    <a:solidFill>
-                      <a:srgbClr val="FF0000"/>
-                    </a:solidFill>
-                  </a:rPr>
-                  <a:t>0.0f</a:t>
-                </a:r>
-                <a:r>
-                  <a:rPr lang="en-US" altLang="ko-KR" sz="2400" dirty="0" smtClean="0"/>
+                  <a:rPr lang="en-US" altLang="ko-KR" sz="2400" dirty="0"/>
                   <a:t>)</a:t>
                 </a:r>
-                <a:endParaRPr lang="ko-KR" altLang="en-US" sz="2400" dirty="0" smtClean="0"/>
+                <a:endParaRPr lang="ko-KR" altLang="en-US" sz="2400" dirty="0"/>
               </a:p>
             </p:txBody>
           </p:sp>
@@ -23853,24 +23766,12 @@
                   </m:oMath>
                 </a14:m>
                 <a:r>
-                  <a:rPr lang="ko-KR" altLang="en-US" sz="2400" dirty="0" smtClean="0"/>
+                  <a:rPr lang="ko-KR" altLang="en-US" sz="2400" dirty="0"/>
                   <a:t> </a:t>
                 </a:r>
                 <a:r>
-                  <a:rPr lang="en-US" altLang="ko-KR" sz="2400" dirty="0" smtClean="0"/>
-                  <a:t>= (0.5f, -0.5f</a:t>
-                </a:r>
-                <a:r>
                   <a:rPr lang="en-US" altLang="ko-KR" sz="2400" dirty="0"/>
-                  <a:t>, 0.0f , </a:t>
-                </a:r>
-                <a:r>
-                  <a:rPr lang="en-US" altLang="ko-KR" sz="2400" dirty="0" smtClean="0">
-                    <a:solidFill>
-                      <a:srgbClr val="FF0000"/>
-                    </a:solidFill>
-                  </a:rPr>
-                  <a:t>1.0f</a:t>
+                  <a:t>= (0.5f, -0.5f, 0.0f , </a:t>
                 </a:r>
                 <a:r>
                   <a:rPr lang="en-US" altLang="ko-KR" sz="2400" dirty="0">
@@ -23878,21 +23779,13 @@
                       <a:srgbClr val="FF0000"/>
                     </a:solidFill>
                   </a:rPr>
-                  <a:t>, </a:t>
+                  <a:t>1.0f, 0.0f</a:t>
                 </a:r>
                 <a:r>
-                  <a:rPr lang="en-US" altLang="ko-KR" sz="2400" dirty="0" smtClean="0">
-                    <a:solidFill>
-                      <a:srgbClr val="FF0000"/>
-                    </a:solidFill>
-                  </a:rPr>
-                  <a:t>0.0f</a:t>
-                </a:r>
-                <a:r>
-                  <a:rPr lang="en-US" altLang="ko-KR" sz="2400" dirty="0" smtClean="0"/>
+                  <a:rPr lang="en-US" altLang="ko-KR" sz="2400" dirty="0"/>
                   <a:t>)</a:t>
                 </a:r>
-                <a:endParaRPr lang="ko-KR" altLang="en-US" sz="2400" dirty="0" smtClean="0"/>
+                <a:endParaRPr lang="ko-KR" altLang="en-US" sz="2400" dirty="0"/>
               </a:p>
             </p:txBody>
           </p:sp>
@@ -24957,7 +24850,7 @@
                     </m:oMath>
                   </m:oMathPara>
                 </a14:m>
-                <a:endParaRPr lang="ko-KR" altLang="en-US" sz="2800" dirty="0" smtClean="0"/>
+                <a:endParaRPr lang="ko-KR" altLang="en-US" sz="2800" dirty="0"/>
               </a:p>
             </p:txBody>
           </p:sp>
@@ -25091,7 +24984,7 @@
                     </m:oMath>
                   </m:oMathPara>
                 </a14:m>
-                <a:endParaRPr lang="ko-KR" altLang="en-US" sz="2800" dirty="0" smtClean="0"/>
+                <a:endParaRPr lang="ko-KR" altLang="en-US" sz="2800" dirty="0"/>
               </a:p>
             </p:txBody>
           </p:sp>
@@ -25225,7 +25118,7 @@
                     </m:oMath>
                   </m:oMathPara>
                 </a14:m>
-                <a:endParaRPr lang="ko-KR" altLang="en-US" sz="2800" dirty="0" smtClean="0"/>
+                <a:endParaRPr lang="ko-KR" altLang="en-US" sz="2800" dirty="0"/>
               </a:p>
             </p:txBody>
           </p:sp>
@@ -25328,7 +25221,7 @@
                     </m:oMath>
                   </m:oMathPara>
                 </a14:m>
-                <a:endParaRPr lang="ko-KR" altLang="en-US" sz="2800" dirty="0" smtClean="0"/>
+                <a:endParaRPr lang="ko-KR" altLang="en-US" sz="2800" dirty="0"/>
               </a:p>
             </p:txBody>
           </p:sp>
@@ -25431,7 +25324,7 @@
                     </m:oMath>
                   </m:oMathPara>
                 </a14:m>
-                <a:endParaRPr lang="ko-KR" altLang="en-US" sz="2800" dirty="0" smtClean="0"/>
+                <a:endParaRPr lang="ko-KR" altLang="en-US" sz="2800" dirty="0"/>
               </a:p>
             </p:txBody>
           </p:sp>
@@ -25534,7 +25427,7 @@
                     </m:oMath>
                   </m:oMathPara>
                 </a14:m>
-                <a:endParaRPr lang="ko-KR" altLang="en-US" sz="2800" dirty="0" smtClean="0"/>
+                <a:endParaRPr lang="ko-KR" altLang="en-US" sz="2800" dirty="0"/>
               </a:p>
             </p:txBody>
           </p:sp>
@@ -25637,7 +25530,7 @@
                     </m:oMath>
                   </m:oMathPara>
                 </a14:m>
-                <a:endParaRPr lang="ko-KR" altLang="en-US" sz="2800" dirty="0" smtClean="0"/>
+                <a:endParaRPr lang="ko-KR" altLang="en-US" sz="2800" dirty="0"/>
               </a:p>
             </p:txBody>
           </p:sp>
@@ -25740,7 +25633,7 @@
                     </m:oMath>
                   </m:oMathPara>
                 </a14:m>
-                <a:endParaRPr lang="ko-KR" altLang="en-US" sz="2800" dirty="0" smtClean="0"/>
+                <a:endParaRPr lang="ko-KR" altLang="en-US" sz="2800" dirty="0"/>
               </a:p>
             </p:txBody>
           </p:sp>
@@ -25843,7 +25736,7 @@
                     </m:oMath>
                   </m:oMathPara>
                 </a14:m>
-                <a:endParaRPr lang="ko-KR" altLang="en-US" sz="2800" dirty="0" smtClean="0"/>
+                <a:endParaRPr lang="ko-KR" altLang="en-US" sz="2800" dirty="0"/>
               </a:p>
             </p:txBody>
           </p:sp>
@@ -25946,7 +25839,7 @@
                     </m:oMath>
                   </m:oMathPara>
                 </a14:m>
-                <a:endParaRPr lang="ko-KR" altLang="en-US" sz="2800" dirty="0" smtClean="0"/>
+                <a:endParaRPr lang="ko-KR" altLang="en-US" sz="2800" dirty="0"/>
               </a:p>
             </p:txBody>
           </p:sp>
@@ -26169,7 +26062,7 @@
                     </m:oMath>
                   </m:oMathPara>
                 </a14:m>
-                <a:endParaRPr lang="ko-KR" altLang="en-US" sz="2800" dirty="0" smtClean="0"/>
+                <a:endParaRPr lang="ko-KR" altLang="en-US" sz="2800" dirty="0"/>
               </a:p>
             </p:txBody>
           </p:sp>
@@ -26272,7 +26165,7 @@
                     </m:oMath>
                   </m:oMathPara>
                 </a14:m>
-                <a:endParaRPr lang="ko-KR" altLang="en-US" sz="2800" dirty="0" smtClean="0"/>
+                <a:endParaRPr lang="ko-KR" altLang="en-US" sz="2800" dirty="0"/>
               </a:p>
             </p:txBody>
           </p:sp>
@@ -26375,7 +26268,7 @@
                     </m:oMath>
                   </m:oMathPara>
                 </a14:m>
-                <a:endParaRPr lang="ko-KR" altLang="en-US" sz="2800" dirty="0" smtClean="0"/>
+                <a:endParaRPr lang="ko-KR" altLang="en-US" sz="2800" dirty="0"/>
               </a:p>
             </p:txBody>
           </p:sp>
@@ -26478,7 +26371,7 @@
                     </m:oMath>
                   </m:oMathPara>
                 </a14:m>
-                <a:endParaRPr lang="ko-KR" altLang="en-US" sz="2800" dirty="0" smtClean="0"/>
+                <a:endParaRPr lang="ko-KR" altLang="en-US" sz="2800" dirty="0"/>
               </a:p>
             </p:txBody>
           </p:sp>
@@ -26697,14 +26590,14 @@
                   </m:oMath>
                 </a14:m>
                 <a:r>
-                  <a:rPr lang="ko-KR" altLang="en-US" dirty="0" smtClean="0"/>
+                  <a:rPr lang="ko-KR" altLang="en-US" dirty="0"/>
                   <a:t> </a:t>
                 </a:r>
                 <a:r>
-                  <a:rPr lang="en-US" altLang="ko-KR" dirty="0" smtClean="0"/>
+                  <a:rPr lang="en-US" altLang="ko-KR" dirty="0"/>
                   <a:t>= (0.0f, 0.0f)</a:t>
                 </a:r>
-                <a:endParaRPr lang="ko-KR" altLang="en-US" dirty="0" smtClean="0"/>
+                <a:endParaRPr lang="ko-KR" altLang="en-US" dirty="0"/>
               </a:p>
             </p:txBody>
           </p:sp>
@@ -26803,14 +26696,14 @@
                   </m:oMath>
                 </a14:m>
                 <a:r>
-                  <a:rPr lang="ko-KR" altLang="en-US" dirty="0" smtClean="0"/>
+                  <a:rPr lang="ko-KR" altLang="en-US" dirty="0"/>
                   <a:t> </a:t>
                 </a:r>
                 <a:r>
-                  <a:rPr lang="en-US" altLang="ko-KR" dirty="0" smtClean="0"/>
+                  <a:rPr lang="en-US" altLang="ko-KR" dirty="0"/>
                   <a:t>= (0.0f, 1.0f)</a:t>
                 </a:r>
-                <a:endParaRPr lang="ko-KR" altLang="en-US" dirty="0" smtClean="0"/>
+                <a:endParaRPr lang="ko-KR" altLang="en-US" dirty="0"/>
               </a:p>
             </p:txBody>
           </p:sp>
@@ -26909,14 +26802,14 @@
                   </m:oMath>
                 </a14:m>
                 <a:r>
-                  <a:rPr lang="ko-KR" altLang="en-US" dirty="0" smtClean="0"/>
+                  <a:rPr lang="ko-KR" altLang="en-US" dirty="0"/>
                   <a:t> </a:t>
                 </a:r>
                 <a:r>
-                  <a:rPr lang="en-US" altLang="ko-KR" dirty="0" smtClean="0"/>
+                  <a:rPr lang="en-US" altLang="ko-KR" dirty="0"/>
                   <a:t>= (1.0f, 0.0f)</a:t>
                 </a:r>
-                <a:endParaRPr lang="ko-KR" altLang="en-US" dirty="0" smtClean="0"/>
+                <a:endParaRPr lang="ko-KR" altLang="en-US" dirty="0"/>
               </a:p>
             </p:txBody>
           </p:sp>
@@ -27015,14 +26908,14 @@
                   </m:oMath>
                 </a14:m>
                 <a:r>
-                  <a:rPr lang="ko-KR" altLang="en-US" dirty="0" smtClean="0"/>
+                  <a:rPr lang="ko-KR" altLang="en-US" dirty="0"/>
                   <a:t> </a:t>
                 </a:r>
                 <a:r>
-                  <a:rPr lang="en-US" altLang="ko-KR" dirty="0" smtClean="0"/>
+                  <a:rPr lang="en-US" altLang="ko-KR" dirty="0"/>
                   <a:t>= (1.0f, 1.0f)</a:t>
                 </a:r>
-                <a:endParaRPr lang="ko-KR" altLang="en-US" dirty="0" smtClean="0"/>
+                <a:endParaRPr lang="ko-KR" altLang="en-US" dirty="0"/>
               </a:p>
             </p:txBody>
           </p:sp>
@@ -27143,42 +27036,41 @@
           <a:lstStyle/>
           <a:p>
             <a:r>
-              <a:rPr lang="en-US" altLang="ko-KR" dirty="0" smtClean="0"/>
+              <a:rPr lang="en-US" altLang="ko-KR" dirty="0"/>
               <a:t>u, v </a:t>
             </a:r>
             <a:r>
-              <a:rPr lang="ko-KR" altLang="en-US" dirty="0" smtClean="0"/>
+              <a:rPr lang="ko-KR" altLang="en-US" dirty="0"/>
               <a:t>좌표가 </a:t>
             </a:r>
             <a:r>
-              <a:rPr lang="en-US" altLang="ko-KR" dirty="0" smtClean="0"/>
+              <a:rPr lang="en-US" altLang="ko-KR" dirty="0"/>
               <a:t>0</a:t>
             </a:r>
             <a:r>
-              <a:rPr lang="ko-KR" altLang="en-US" dirty="0" smtClean="0"/>
+              <a:rPr lang="ko-KR" altLang="en-US" dirty="0"/>
               <a:t>보다 작거나 </a:t>
             </a:r>
             <a:r>
-              <a:rPr lang="en-US" altLang="ko-KR" dirty="0" smtClean="0"/>
+              <a:rPr lang="en-US" altLang="ko-KR" dirty="0"/>
               <a:t>1</a:t>
             </a:r>
             <a:r>
-              <a:rPr lang="ko-KR" altLang="en-US" dirty="0" smtClean="0"/>
+              <a:rPr lang="ko-KR" altLang="en-US" dirty="0"/>
               <a:t>보다 클 경우</a:t>
             </a:r>
-            <a:endParaRPr lang="en-US" altLang="ko-KR" dirty="0" smtClean="0"/>
+            <a:endParaRPr lang="en-US" altLang="ko-KR" dirty="0"/>
           </a:p>
           <a:p>
             <a:pPr lvl="1"/>
             <a:r>
-              <a:rPr lang="en-US" altLang="ko-KR" dirty="0" smtClean="0"/>
+              <a:rPr lang="en-US" altLang="ko-KR" dirty="0"/>
               <a:t>wrap </a:t>
             </a:r>
             <a:r>
-              <a:rPr lang="ko-KR" altLang="en-US" dirty="0" smtClean="0"/>
+              <a:rPr lang="ko-KR" altLang="en-US" dirty="0"/>
               <a:t>형식에 따라 채워짐</a:t>
             </a:r>
-            <a:endParaRPr lang="ko-KR" altLang="en-US" dirty="0"/>
           </a:p>
         </p:txBody>
       </p:sp>
@@ -27515,14 +27407,13 @@
           <a:lstStyle/>
           <a:p>
             <a:r>
-              <a:rPr lang="ko-KR" altLang="en-US" dirty="0" err="1" smtClean="0"/>
+              <a:rPr lang="ko-KR" altLang="en-US" dirty="0" err="1"/>
               <a:t>텍스쳐</a:t>
             </a:r>
             <a:r>
-              <a:rPr lang="ko-KR" altLang="en-US" dirty="0" smtClean="0"/>
+              <a:rPr lang="ko-KR" altLang="en-US" dirty="0"/>
               <a:t> 샘플링</a:t>
             </a:r>
-            <a:endParaRPr lang="ko-KR" altLang="en-US" dirty="0"/>
           </a:p>
         </p:txBody>
       </p:sp>
@@ -27567,6 +27458,70 @@
           </a:extLst>
         </p:spPr>
       </p:pic>
+      <p:sp>
+        <p:nvSpPr>
+          <p:cNvPr id="4" name="TextBox 3">
+            <a:extLst>
+              <a:ext uri="{FF2B5EF4-FFF2-40B4-BE49-F238E27FC236}">
+                <a16:creationId xmlns:a16="http://schemas.microsoft.com/office/drawing/2014/main" id="{8114399F-66CF-4FC1-9971-F2DB380E73B4}"/>
+              </a:ext>
+            </a:extLst>
+          </p:cNvPr>
+          <p:cNvSpPr txBox="1"/>
+          <p:nvPr/>
+        </p:nvSpPr>
+        <p:spPr>
+          <a:xfrm>
+            <a:off x="6948264" y="2258368"/>
+            <a:ext cx="2088232" cy="923330"/>
+          </a:xfrm>
+          <a:prstGeom prst="rect">
+            <a:avLst/>
+          </a:prstGeom>
+          <a:noFill/>
+        </p:spPr>
+        <p:txBody>
+          <a:bodyPr wrap="square" rtlCol="0">
+            <a:spAutoFit/>
+          </a:bodyPr>
+          <a:lstStyle/>
+          <a:p>
+            <a:pPr latinLnBrk="0"/>
+            <a:r>
+              <a:rPr lang="ko-KR" altLang="en-US" dirty="0" err="1">
+                <a:solidFill>
+                  <a:srgbClr val="FF0000"/>
+                </a:solidFill>
+              </a:rPr>
+              <a:t>이방성</a:t>
+            </a:r>
+            <a:r>
+              <a:rPr lang="ko-KR" altLang="en-US" dirty="0">
+                <a:solidFill>
+                  <a:srgbClr val="FF0000"/>
+                </a:solidFill>
+              </a:rPr>
+              <a:t> </a:t>
+            </a:r>
+            <a:r>
+              <a:rPr lang="ko-KR" altLang="en-US" dirty="0" err="1">
+                <a:solidFill>
+                  <a:srgbClr val="FF0000"/>
+                </a:solidFill>
+              </a:rPr>
+              <a:t>필터링</a:t>
+            </a:r>
+            <a:r>
+              <a:rPr lang="ko-KR" altLang="en-US" dirty="0" err="1"/>
+              <a:t>등으로</a:t>
+            </a:r>
+            <a:r>
+              <a:rPr lang="ko-KR" altLang="en-US" dirty="0"/>
+              <a:t> 해줘야 </a:t>
+            </a:r>
+          </a:p>
+        </p:txBody>
+      </p:sp>
     </p:spTree>
     <p:extLst>
       <p:ext uri="{BB962C8B-B14F-4D97-AF65-F5344CB8AC3E}">
@@ -27618,11 +27573,7 @@
             </a:r>
             <a:r>
               <a:rPr lang="ko-KR" altLang="en-US" dirty="0"/>
-              <a:t> </a:t>
-            </a:r>
-            <a:r>
-              <a:rPr lang="ko-KR" altLang="en-US" dirty="0" smtClean="0"/>
-              <a:t>생성</a:t>
+              <a:t> 생성</a:t>
             </a:r>
             <a:endParaRPr lang="en-US" altLang="ko-KR" dirty="0"/>
           </a:p>
@@ -27657,13 +27608,6 @@
   <p:clrMapOvr>
     <a:masterClrMapping/>
   </p:clrMapOvr>
-  <p:timing>
-    <p:tnLst>
-      <p:par>
-        <p:cTn id="1" dur="indefinite" restart="never" nodeType="tmRoot"/>
-      </p:par>
-    </p:tnLst>
-  </p:timing>
 </p:sld>
 </file>
 
@@ -27949,18 +27893,18 @@
           <a:lstStyle/>
           <a:p>
             <a:r>
-              <a:rPr lang="ko-KR" altLang="en-US" dirty="0" smtClean="0"/>
+              <a:rPr lang="ko-KR" altLang="en-US" dirty="0"/>
               <a:t>전체적인 순서는 </a:t>
             </a:r>
             <a:r>
-              <a:rPr lang="en-US" altLang="ko-KR" dirty="0" smtClean="0"/>
+              <a:rPr lang="en-US" altLang="ko-KR" dirty="0"/>
               <a:t>VBO </a:t>
             </a:r>
             <a:r>
-              <a:rPr lang="ko-KR" altLang="en-US" dirty="0" smtClean="0"/>
+              <a:rPr lang="ko-KR" altLang="en-US" dirty="0"/>
               <a:t>생성하는 법과 비슷함</a:t>
             </a:r>
-            <a:endParaRPr lang="en-US" altLang="ko-KR" dirty="0" smtClean="0"/>
+            <a:endParaRPr lang="en-US" altLang="ko-KR" dirty="0"/>
           </a:p>
           <a:p>
             <a:pPr lvl="1"/>
@@ -27977,7 +27921,7 @@
               <a:t>gTextureID</a:t>
             </a:r>
             <a:r>
-              <a:rPr lang="en-US" altLang="ko-KR" dirty="0" smtClean="0"/>
+              <a:rPr lang="en-US" altLang="ko-KR" dirty="0"/>
               <a:t>);</a:t>
             </a:r>
           </a:p>
@@ -27996,7 +27940,7 @@
               <a:t>gTextureID</a:t>
             </a:r>
             <a:r>
-              <a:rPr lang="en-US" altLang="ko-KR" dirty="0" smtClean="0"/>
+              <a:rPr lang="en-US" altLang="ko-KR" dirty="0"/>
               <a:t>);</a:t>
             </a:r>
           </a:p>
@@ -28085,16 +28029,12 @@
           <a:p>
             <a:pPr lvl="1"/>
             <a:r>
-              <a:rPr lang="en-US" altLang="ko-KR" dirty="0" err="1" smtClean="0"/>
+              <a:rPr lang="en-US" altLang="ko-KR" dirty="0" err="1"/>
               <a:t>glTexParameteri</a:t>
             </a:r>
             <a:r>
-              <a:rPr lang="en-US" altLang="ko-KR" dirty="0" smtClean="0"/>
-              <a:t>(GL_TEXTURE_2D</a:t>
-            </a:r>
-            <a:r>
               <a:rPr lang="en-US" altLang="ko-KR" dirty="0"/>
-              <a:t>, GL_TEXTURE_MIN_FILTER, GL_NEAREST);</a:t>
+              <a:t>(GL_TEXTURE_2D, GL_TEXTURE_MIN_FILTER, GL_NEAREST);</a:t>
             </a:r>
           </a:p>
           <a:p>
@@ -28105,47 +28045,111 @@
             </a:r>
             <a:r>
               <a:rPr lang="en-US" altLang="ko-KR" dirty="0"/>
-              <a:t>(GL_TEXTURE_2D, GL_TEXTURE_MAG_FILTER, GL_NEAREST</a:t>
-            </a:r>
-            <a:r>
-              <a:rPr lang="en-US" altLang="ko-KR" dirty="0" smtClean="0"/>
-              <a:t>);</a:t>
+              <a:t>(GL_TEXTURE_2D, GL_TEXTURE_MAG_FILTER, GL_NEAREST);</a:t>
             </a:r>
           </a:p>
           <a:p>
             <a:pPr lvl="1"/>
             <a:r>
-              <a:rPr lang="en-US" altLang="ko-KR" dirty="0" err="1" smtClean="0"/>
+              <a:rPr lang="en-US" altLang="ko-KR" dirty="0" err="1"/>
               <a:t>glTexParameteri</a:t>
             </a:r>
             <a:r>
-              <a:rPr lang="en-US" altLang="ko-KR" dirty="0" smtClean="0"/>
-              <a:t>(GL_TEXTURE_2D</a:t>
-            </a:r>
-            <a:r>
               <a:rPr lang="en-US" altLang="ko-KR" dirty="0"/>
-              <a:t>, GL_TEXTURE_WRAP_S, GL_CLAMP_TO_EDGE</a:t>
-            </a:r>
-            <a:r>
-              <a:rPr lang="en-US" altLang="ko-KR" dirty="0" smtClean="0"/>
-              <a:t>);</a:t>
+              <a:t>(GL_TEXTURE_2D, GL_TEXTURE_WRAP_S, GL_CLAMP_TO_EDGE);</a:t>
             </a:r>
           </a:p>
           <a:p>
             <a:pPr lvl="1"/>
             <a:r>
-              <a:rPr lang="en-US" altLang="ko-KR" dirty="0" err="1" smtClean="0"/>
+              <a:rPr lang="en-US" altLang="ko-KR" dirty="0" err="1"/>
               <a:t>glTexParameteri</a:t>
             </a:r>
             <a:r>
-              <a:rPr lang="en-US" altLang="ko-KR" dirty="0" smtClean="0"/>
-              <a:t>(GL_TEXTURE_2D</a:t>
-            </a:r>
-            <a:r>
               <a:rPr lang="en-US" altLang="ko-KR" dirty="0"/>
-              <a:t>, GL_TEXTURE_WRAP_T, GL_CLAMP_TO_EDGE);</a:t>
+              <a:t>(GL_TEXTURE_2D, GL_TEXTURE_WRAP_T, GL_CLAMP_TO_EDGE);</a:t>
             </a:r>
             <a:endParaRPr lang="ko-KR" altLang="en-US" dirty="0"/>
+          </a:p>
+        </p:txBody>
+      </p:sp>
+      <p:sp>
+        <p:nvSpPr>
+          <p:cNvPr id="4" name="TextBox 3">
+            <a:extLst>
+              <a:ext uri="{FF2B5EF4-FFF2-40B4-BE49-F238E27FC236}">
+                <a16:creationId xmlns:a16="http://schemas.microsoft.com/office/drawing/2014/main" id="{D01395A7-EFCA-4736-AC19-0E8E93BCDF4D}"/>
+              </a:ext>
+            </a:extLst>
+          </p:cNvPr>
+          <p:cNvSpPr txBox="1"/>
+          <p:nvPr/>
+        </p:nvSpPr>
+        <p:spPr>
+          <a:xfrm>
+            <a:off x="7865604" y="1700808"/>
+            <a:ext cx="2556792" cy="1200329"/>
+          </a:xfrm>
+          <a:prstGeom prst="rect">
+            <a:avLst/>
+          </a:prstGeom>
+          <a:noFill/>
+        </p:spPr>
+        <p:txBody>
+          <a:bodyPr wrap="square" rtlCol="0">
+            <a:spAutoFit/>
+          </a:bodyPr>
+          <a:lstStyle/>
+          <a:p>
+            <a:pPr latinLnBrk="0"/>
+            <a:r>
+              <a:rPr lang="ko-KR" altLang="en-US" dirty="0">
+                <a:solidFill>
+                  <a:srgbClr val="FF0000"/>
+                </a:solidFill>
+              </a:rPr>
+              <a:t>가장 </a:t>
+            </a:r>
+            <a:r>
+              <a:rPr lang="ko-KR" altLang="en-US" dirty="0" err="1">
+                <a:solidFill>
+                  <a:srgbClr val="FF0000"/>
+                </a:solidFill>
+              </a:rPr>
+              <a:t>가까이있는</a:t>
+            </a:r>
+            <a:r>
+              <a:rPr lang="ko-KR" altLang="en-US" dirty="0">
+                <a:solidFill>
+                  <a:srgbClr val="FF0000"/>
+                </a:solidFill>
+              </a:rPr>
+              <a:t> 색상을 가져온다</a:t>
+            </a:r>
+            <a:r>
+              <a:rPr lang="en-US" altLang="ko-KR" dirty="0">
+                <a:solidFill>
+                  <a:srgbClr val="FF0000"/>
+                </a:solidFill>
+              </a:rPr>
+              <a:t>.</a:t>
+            </a:r>
+          </a:p>
+          <a:p>
+            <a:pPr latinLnBrk="0"/>
+            <a:endParaRPr lang="en-US" altLang="ko-KR" dirty="0">
+              <a:solidFill>
+                <a:srgbClr val="FF0000"/>
+              </a:solidFill>
+            </a:endParaRPr>
+          </a:p>
+          <a:p>
+            <a:pPr latinLnBrk="0"/>
+            <a:endParaRPr lang="ko-KR" altLang="en-US" dirty="0">
+              <a:solidFill>
+                <a:srgbClr val="FF0000"/>
+              </a:solidFill>
+            </a:endParaRPr>
           </a:p>
         </p:txBody>
       </p:sp>
@@ -28200,11 +28204,7 @@
             </a:r>
             <a:r>
               <a:rPr lang="ko-KR" altLang="en-US" dirty="0"/>
-              <a:t> </a:t>
-            </a:r>
-            <a:r>
-              <a:rPr lang="ko-KR" altLang="en-US" dirty="0" smtClean="0"/>
-              <a:t>사용</a:t>
+              <a:t> 사용</a:t>
             </a:r>
             <a:endParaRPr lang="en-US" altLang="ko-KR" dirty="0"/>
           </a:p>
@@ -28239,13 +28239,6 @@
   <p:clrMapOvr>
     <a:masterClrMapping/>
   </p:clrMapOvr>
-  <p:timing>
-    <p:tnLst>
-      <p:par>
-        <p:cTn id="1" dur="indefinite" restart="never" nodeType="tmRoot"/>
-      </p:par>
-    </p:tnLst>
-  </p:timing>
 </p:sld>
 </file>
 
@@ -28502,23 +28495,15 @@
           <a:p>
             <a:r>
               <a:rPr lang="en-US" altLang="ko-KR" sz="1600" dirty="0"/>
-              <a:t> </a:t>
-            </a:r>
-            <a:r>
-              <a:rPr lang="en-US" altLang="ko-KR" sz="1600" dirty="0" smtClean="0"/>
-              <a:t>   </a:t>
-            </a:r>
-            <a:r>
-              <a:rPr lang="en-US" altLang="ko-KR" sz="1600" dirty="0" err="1" smtClean="0"/>
+              <a:t>    </a:t>
+            </a:r>
+            <a:r>
+              <a:rPr lang="en-US" altLang="ko-KR" sz="1600" dirty="0" err="1"/>
               <a:t>vTexPos</a:t>
             </a:r>
             <a:r>
-              <a:rPr lang="en-US" altLang="ko-KR" sz="1600" dirty="0" smtClean="0"/>
-              <a:t> </a:t>
-            </a:r>
-            <a:r>
               <a:rPr lang="en-US" altLang="ko-KR" sz="1600" dirty="0"/>
-              <a:t>= </a:t>
+              <a:t> = </a:t>
             </a:r>
             <a:r>
               <a:rPr lang="en-US" altLang="ko-KR" sz="1600" dirty="0" err="1"/>
@@ -28717,10 +28702,9 @@
           <a:lstStyle/>
           <a:p>
             <a:r>
-              <a:rPr lang="ko-KR" altLang="en-US" dirty="0" smtClean="0"/>
+              <a:rPr lang="ko-KR" altLang="en-US" dirty="0"/>
               <a:t>개요</a:t>
             </a:r>
-            <a:endParaRPr lang="ko-KR" altLang="en-US" dirty="0"/>
           </a:p>
         </p:txBody>
       </p:sp>
@@ -28740,47 +28724,47 @@
           <a:lstStyle/>
           <a:p>
             <a:r>
-              <a:rPr lang="ko-KR" altLang="en-US" dirty="0" err="1" smtClean="0"/>
+              <a:rPr lang="ko-KR" altLang="en-US" dirty="0" err="1"/>
               <a:t>텍스쳐</a:t>
             </a:r>
             <a:r>
-              <a:rPr lang="ko-KR" altLang="en-US" dirty="0" smtClean="0"/>
+              <a:rPr lang="ko-KR" altLang="en-US" dirty="0"/>
               <a:t> </a:t>
             </a:r>
             <a:r>
-              <a:rPr lang="ko-KR" altLang="en-US" dirty="0" err="1" smtClean="0"/>
+              <a:rPr lang="ko-KR" altLang="en-US" dirty="0" err="1"/>
               <a:t>매핑</a:t>
             </a:r>
-            <a:endParaRPr lang="en-US" altLang="ko-KR" dirty="0" smtClean="0"/>
+            <a:endParaRPr lang="en-US" altLang="ko-KR" dirty="0"/>
           </a:p>
           <a:p>
             <a:r>
-              <a:rPr lang="ko-KR" altLang="en-US" dirty="0" err="1" smtClean="0"/>
+              <a:rPr lang="ko-KR" altLang="en-US" dirty="0" err="1"/>
               <a:t>텍스쳐</a:t>
             </a:r>
             <a:r>
-              <a:rPr lang="ko-KR" altLang="en-US" dirty="0" smtClean="0"/>
+              <a:rPr lang="ko-KR" altLang="en-US" dirty="0"/>
               <a:t> 생성</a:t>
             </a:r>
-            <a:endParaRPr lang="en-US" altLang="ko-KR" dirty="0" smtClean="0"/>
+            <a:endParaRPr lang="en-US" altLang="ko-KR" dirty="0"/>
           </a:p>
           <a:p>
             <a:r>
-              <a:rPr lang="ko-KR" altLang="en-US" dirty="0" err="1" smtClean="0"/>
+              <a:rPr lang="ko-KR" altLang="en-US" dirty="0" err="1"/>
               <a:t>텍스쳐</a:t>
             </a:r>
             <a:r>
-              <a:rPr lang="ko-KR" altLang="en-US" dirty="0" smtClean="0"/>
+              <a:rPr lang="ko-KR" altLang="en-US" dirty="0"/>
               <a:t> 사용 </a:t>
             </a:r>
-            <a:endParaRPr lang="en-US" altLang="ko-KR" dirty="0" smtClean="0"/>
+            <a:endParaRPr lang="en-US" altLang="ko-KR" dirty="0"/>
           </a:p>
           <a:p>
             <a:r>
-              <a:rPr lang="ko-KR" altLang="en-US" dirty="0" smtClean="0"/>
+              <a:rPr lang="ko-KR" altLang="en-US" dirty="0"/>
               <a:t>실습</a:t>
             </a:r>
-            <a:endParaRPr lang="en-US" altLang="ko-KR" dirty="0" smtClean="0"/>
+            <a:endParaRPr lang="en-US" altLang="ko-KR" dirty="0"/>
           </a:p>
         </p:txBody>
       </p:sp>
@@ -28794,13 +28778,6 @@
   <p:clrMapOvr>
     <a:masterClrMapping/>
   </p:clrMapOvr>
-  <p:timing>
-    <p:tnLst>
-      <p:par>
-        <p:cTn id="1" dur="indefinite" restart="never" nodeType="tmRoot"/>
-      </p:par>
-    </p:tnLst>
-  </p:timing>
 </p:sld>
 </file>
 
@@ -28837,12 +28814,8 @@
           <a:lstStyle/>
           <a:p>
             <a:r>
-              <a:rPr lang="ko-KR" altLang="en-US" dirty="0" smtClean="0"/>
-              <a:t>실</a:t>
-            </a:r>
-            <a:r>
               <a:rPr lang="ko-KR" altLang="en-US" dirty="0"/>
-              <a:t>습</a:t>
+              <a:t>실습</a:t>
             </a:r>
           </a:p>
         </p:txBody>
@@ -28876,13 +28849,6 @@
   <p:clrMapOvr>
     <a:masterClrMapping/>
   </p:clrMapOvr>
-  <p:timing>
-    <p:tnLst>
-      <p:par>
-        <p:cTn id="1" dur="indefinite" restart="never" nodeType="tmRoot"/>
-      </p:par>
-    </p:tnLst>
-  </p:timing>
 </p:sld>
 </file>
 
@@ -28941,26 +28907,26 @@
           <a:lstStyle/>
           <a:p>
             <a:r>
-              <a:rPr lang="ko-KR" altLang="en-US" dirty="0" smtClean="0"/>
+              <a:rPr lang="ko-KR" altLang="en-US" dirty="0"/>
               <a:t>새로운 </a:t>
             </a:r>
             <a:r>
-              <a:rPr lang="en-US" altLang="ko-KR" dirty="0" smtClean="0"/>
+              <a:rPr lang="en-US" altLang="ko-KR" dirty="0"/>
               <a:t>Shader </a:t>
             </a:r>
             <a:r>
-              <a:rPr lang="ko-KR" altLang="en-US" dirty="0" smtClean="0"/>
+              <a:rPr lang="ko-KR" altLang="en-US" dirty="0"/>
               <a:t>및 </a:t>
             </a:r>
             <a:r>
-              <a:rPr lang="en-US" altLang="ko-KR" dirty="0" smtClean="0"/>
+              <a:rPr lang="en-US" altLang="ko-KR" dirty="0"/>
               <a:t>API </a:t>
             </a:r>
             <a:r>
-              <a:rPr lang="ko-KR" altLang="en-US" dirty="0" smtClean="0"/>
+              <a:rPr lang="ko-KR" altLang="en-US" dirty="0"/>
               <a:t>생성 후 구현</a:t>
             </a:r>
-            <a:endParaRPr lang="en-US" altLang="ko-KR" dirty="0" smtClean="0"/>
+            <a:endParaRPr lang="en-US" altLang="ko-KR" dirty="0"/>
           </a:p>
           <a:p>
             <a:endParaRPr lang="en-US" altLang="ko-KR" dirty="0"/>
@@ -28971,11 +28937,11 @@
               <a:t>문제 </a:t>
             </a:r>
             <a:r>
-              <a:rPr lang="en-US" altLang="ko-KR" dirty="0" smtClean="0"/>
+              <a:rPr lang="en-US" altLang="ko-KR" dirty="0"/>
               <a:t>1</a:t>
             </a:r>
             <a:r>
-              <a:rPr lang="ko-KR" altLang="en-US" dirty="0" smtClean="0"/>
+              <a:rPr lang="ko-KR" altLang="en-US" dirty="0"/>
               <a:t> </a:t>
             </a:r>
             <a:r>
@@ -28988,51 +28954,46 @@
             </a:r>
             <a:r>
               <a:rPr lang="ko-KR" altLang="en-US" dirty="0"/>
-              <a:t> 효과 </a:t>
-            </a:r>
-            <a:r>
-              <a:rPr lang="ko-KR" altLang="en-US" dirty="0" smtClean="0"/>
-              <a:t>구현 해보기</a:t>
-            </a:r>
-            <a:endParaRPr lang="ko-KR" altLang="en-US" dirty="0"/>
+              <a:t> 효과 구현 해보기</a:t>
+            </a:r>
           </a:p>
           <a:p>
-            <a:endParaRPr lang="en-US" altLang="ko-KR" dirty="0" smtClean="0"/>
+            <a:endParaRPr lang="en-US" altLang="ko-KR" dirty="0"/>
           </a:p>
           <a:p>
             <a:r>
-              <a:rPr lang="ko-KR" altLang="en-US" dirty="0" smtClean="0"/>
+              <a:rPr lang="ko-KR" altLang="en-US" dirty="0"/>
               <a:t>문제 </a:t>
             </a:r>
             <a:r>
-              <a:rPr lang="en-US" altLang="ko-KR" smtClean="0"/>
+              <a:rPr lang="en-US" altLang="ko-KR"/>
               <a:t>2</a:t>
             </a:r>
             <a:r>
-              <a:rPr lang="ko-KR" altLang="en-US" smtClean="0"/>
+              <a:rPr lang="ko-KR" altLang="en-US"/>
               <a:t> </a:t>
             </a:r>
             <a:r>
-              <a:rPr lang="en-US" altLang="ko-KR" dirty="0" smtClean="0"/>
+              <a:rPr lang="en-US" altLang="ko-KR" dirty="0"/>
               <a:t>: </a:t>
             </a:r>
             <a:r>
-              <a:rPr lang="ko-KR" altLang="en-US" dirty="0" err="1" smtClean="0"/>
+              <a:rPr lang="ko-KR" altLang="en-US" dirty="0" err="1"/>
               <a:t>파티클에</a:t>
             </a:r>
             <a:r>
-              <a:rPr lang="ko-KR" altLang="en-US" dirty="0" smtClean="0"/>
+              <a:rPr lang="ko-KR" altLang="en-US" dirty="0"/>
               <a:t> </a:t>
             </a:r>
             <a:r>
-              <a:rPr lang="en-US" altLang="ko-KR" dirty="0" smtClean="0"/>
+              <a:rPr lang="en-US" altLang="ko-KR" dirty="0"/>
               <a:t>Texture </a:t>
             </a:r>
             <a:r>
-              <a:rPr lang="ko-KR" altLang="en-US" dirty="0" smtClean="0"/>
+              <a:rPr lang="ko-KR" altLang="en-US" dirty="0"/>
               <a:t>입히기</a:t>
             </a:r>
-            <a:endParaRPr lang="en-US" altLang="ko-KR" dirty="0" smtClean="0"/>
+            <a:endParaRPr lang="en-US" altLang="ko-KR" dirty="0"/>
           </a:p>
         </p:txBody>
       </p:sp>
@@ -29126,13 +29087,6 @@
   <p:clrMapOvr>
     <a:masterClrMapping/>
   </p:clrMapOvr>
-  <p:timing>
-    <p:tnLst>
-      <p:par>
-        <p:cTn id="1" dur="indefinite" restart="never" nodeType="tmRoot"/>
-      </p:par>
-    </p:tnLst>
-  </p:timing>
 </p:sld>
 </file>
 
@@ -29200,53 +29154,52 @@
           <a:lstStyle/>
           <a:p>
             <a:r>
-              <a:rPr lang="ko-KR" altLang="en-US" dirty="0" err="1" smtClean="0"/>
+              <a:rPr lang="ko-KR" altLang="en-US" dirty="0" err="1"/>
               <a:t>텍스쳐란</a:t>
             </a:r>
             <a:r>
-              <a:rPr lang="en-US" altLang="ko-KR" dirty="0" smtClean="0"/>
+              <a:rPr lang="en-US" altLang="ko-KR" dirty="0"/>
               <a:t>?</a:t>
             </a:r>
           </a:p>
           <a:p>
             <a:pPr lvl="1"/>
             <a:r>
-              <a:rPr lang="ko-KR" altLang="en-US" dirty="0" smtClean="0"/>
+              <a:rPr lang="ko-KR" altLang="en-US" dirty="0"/>
               <a:t>물체의 표면의 디테일을 표현하고자 할 때 모두 </a:t>
             </a:r>
             <a:r>
-              <a:rPr lang="ko-KR" altLang="en-US" dirty="0" err="1" smtClean="0"/>
+              <a:rPr lang="ko-KR" altLang="en-US" dirty="0" err="1"/>
               <a:t>버텍스로</a:t>
             </a:r>
             <a:r>
-              <a:rPr lang="ko-KR" altLang="en-US" dirty="0" smtClean="0"/>
+              <a:rPr lang="ko-KR" altLang="en-US" dirty="0"/>
               <a:t> 표현하기 위해선 매우 많은 데이터가 필요</a:t>
             </a:r>
-            <a:endParaRPr lang="en-US" altLang="ko-KR" dirty="0" smtClean="0"/>
+            <a:endParaRPr lang="en-US" altLang="ko-KR" dirty="0"/>
           </a:p>
           <a:p>
             <a:pPr lvl="1"/>
             <a:r>
-              <a:rPr lang="ko-KR" altLang="en-US" dirty="0" smtClean="0"/>
+              <a:rPr lang="ko-KR" altLang="en-US" dirty="0"/>
               <a:t>해당 부분을 이미지로 대체 할 경우 간단하게 복잡한 표면을 표현 할 수 있음</a:t>
             </a:r>
-            <a:endParaRPr lang="en-US" altLang="ko-KR" dirty="0" smtClean="0"/>
+            <a:endParaRPr lang="en-US" altLang="ko-KR" dirty="0"/>
           </a:p>
           <a:p>
             <a:pPr lvl="1"/>
             <a:r>
-              <a:rPr lang="ko-KR" altLang="en-US" dirty="0" smtClean="0"/>
+              <a:rPr lang="ko-KR" altLang="en-US" dirty="0"/>
               <a:t>이 이미지를 </a:t>
             </a:r>
             <a:r>
-              <a:rPr lang="ko-KR" altLang="en-US" dirty="0" err="1" smtClean="0"/>
+              <a:rPr lang="ko-KR" altLang="en-US" dirty="0" err="1"/>
               <a:t>텍스쳐라</a:t>
             </a:r>
             <a:r>
-              <a:rPr lang="ko-KR" altLang="en-US" dirty="0" smtClean="0"/>
+              <a:rPr lang="ko-KR" altLang="en-US" dirty="0"/>
               <a:t> 함</a:t>
             </a:r>
-            <a:endParaRPr lang="ko-KR" altLang="en-US" dirty="0"/>
           </a:p>
         </p:txBody>
       </p:sp>
@@ -29470,41 +29423,41 @@
           <a:lstStyle/>
           <a:p>
             <a:r>
-              <a:rPr lang="ko-KR" altLang="en-US" dirty="0" smtClean="0"/>
+              <a:rPr lang="ko-KR" altLang="en-US" dirty="0"/>
               <a:t>필요한 데이터</a:t>
             </a:r>
-            <a:endParaRPr lang="en-US" altLang="ko-KR" dirty="0" smtClean="0"/>
+            <a:endParaRPr lang="en-US" altLang="ko-KR" dirty="0"/>
           </a:p>
           <a:p>
             <a:pPr lvl="1"/>
             <a:r>
-              <a:rPr lang="ko-KR" altLang="en-US" dirty="0" smtClean="0"/>
+              <a:rPr lang="ko-KR" altLang="en-US" dirty="0"/>
               <a:t>이미지 </a:t>
             </a:r>
             <a:r>
-              <a:rPr lang="en-US" altLang="ko-KR" dirty="0" smtClean="0"/>
+              <a:rPr lang="en-US" altLang="ko-KR" dirty="0"/>
               <a:t>(jpg, bmp, </a:t>
             </a:r>
             <a:r>
-              <a:rPr lang="en-US" altLang="ko-KR" dirty="0" err="1" smtClean="0"/>
+              <a:rPr lang="en-US" altLang="ko-KR" dirty="0" err="1"/>
               <a:t>png</a:t>
             </a:r>
             <a:r>
-              <a:rPr lang="en-US" altLang="ko-KR" dirty="0" smtClean="0"/>
+              <a:rPr lang="en-US" altLang="ko-KR" dirty="0"/>
               <a:t>, tiff, …)</a:t>
             </a:r>
           </a:p>
           <a:p>
             <a:pPr lvl="1"/>
             <a:r>
-              <a:rPr lang="ko-KR" altLang="en-US" dirty="0" err="1" smtClean="0"/>
+              <a:rPr lang="ko-KR" altLang="en-US" dirty="0" err="1"/>
               <a:t>매핑</a:t>
             </a:r>
             <a:r>
-              <a:rPr lang="ko-KR" altLang="en-US" dirty="0" smtClean="0"/>
+              <a:rPr lang="ko-KR" altLang="en-US" dirty="0"/>
               <a:t> 위치</a:t>
             </a:r>
-            <a:endParaRPr lang="en-US" altLang="ko-KR" dirty="0" smtClean="0"/>
+            <a:endParaRPr lang="en-US" altLang="ko-KR" dirty="0"/>
           </a:p>
           <a:p>
             <a:pPr lvl="1"/>
@@ -30546,7 +30499,7 @@
                     </m:oMath>
                   </m:oMathPara>
                 </a14:m>
-                <a:endParaRPr lang="ko-KR" altLang="en-US" sz="2800" dirty="0" smtClean="0"/>
+                <a:endParaRPr lang="ko-KR" altLang="en-US" sz="2800" dirty="0"/>
               </a:p>
             </p:txBody>
           </p:sp>
@@ -30680,7 +30633,7 @@
                     </m:oMath>
                   </m:oMathPara>
                 </a14:m>
-                <a:endParaRPr lang="ko-KR" altLang="en-US" sz="2800" dirty="0" smtClean="0"/>
+                <a:endParaRPr lang="ko-KR" altLang="en-US" sz="2800" dirty="0"/>
               </a:p>
             </p:txBody>
           </p:sp>
@@ -30814,7 +30767,7 @@
                     </m:oMath>
                   </m:oMathPara>
                 </a14:m>
-                <a:endParaRPr lang="ko-KR" altLang="en-US" sz="2800" dirty="0" smtClean="0"/>
+                <a:endParaRPr lang="ko-KR" altLang="en-US" sz="2800" dirty="0"/>
               </a:p>
             </p:txBody>
           </p:sp>
@@ -30917,7 +30870,7 @@
                     </m:oMath>
                   </m:oMathPara>
                 </a14:m>
-                <a:endParaRPr lang="ko-KR" altLang="en-US" sz="2800" dirty="0" smtClean="0"/>
+                <a:endParaRPr lang="ko-KR" altLang="en-US" sz="2800" dirty="0"/>
               </a:p>
             </p:txBody>
           </p:sp>
@@ -31027,14 +30980,14 @@
           <a:p>
             <a:pPr latinLnBrk="0"/>
             <a:r>
-              <a:rPr lang="en-US" altLang="ko-KR" sz="4000" dirty="0" smtClean="0">
+              <a:rPr lang="en-US" altLang="ko-KR" sz="4000" dirty="0">
                 <a:solidFill>
                   <a:srgbClr val="FF0000"/>
                 </a:solidFill>
               </a:rPr>
               <a:t>?</a:t>
             </a:r>
-            <a:endParaRPr lang="ko-KR" altLang="en-US" sz="4000" dirty="0" smtClean="0">
+            <a:endParaRPr lang="ko-KR" altLang="en-US" sz="4000" dirty="0">
               <a:solidFill>
                 <a:srgbClr val="FF0000"/>
               </a:solidFill>
@@ -31119,38 +31072,37 @@
           <a:lstStyle/>
           <a:p>
             <a:r>
-              <a:rPr lang="ko-KR" altLang="en-US" dirty="0" err="1" smtClean="0"/>
+              <a:rPr lang="ko-KR" altLang="en-US" dirty="0" err="1"/>
               <a:t>텍스쳐</a:t>
             </a:r>
             <a:r>
-              <a:rPr lang="ko-KR" altLang="en-US" dirty="0" smtClean="0"/>
+              <a:rPr lang="ko-KR" altLang="en-US" dirty="0"/>
               <a:t> 상에서 사용되는 </a:t>
             </a:r>
             <a:r>
-              <a:rPr lang="ko-KR" altLang="en-US" dirty="0" err="1" smtClean="0"/>
+              <a:rPr lang="ko-KR" altLang="en-US" dirty="0" err="1"/>
               <a:t>좌표계는</a:t>
             </a:r>
             <a:r>
-              <a:rPr lang="ko-KR" altLang="en-US" dirty="0" smtClean="0"/>
+              <a:rPr lang="ko-KR" altLang="en-US" dirty="0"/>
               <a:t> </a:t>
             </a:r>
             <a:r>
-              <a:rPr lang="en-US" altLang="ko-KR" dirty="0" smtClean="0"/>
+              <a:rPr lang="en-US" altLang="ko-KR" dirty="0"/>
               <a:t>u, v </a:t>
             </a:r>
             <a:r>
-              <a:rPr lang="ko-KR" altLang="en-US" dirty="0" smtClean="0"/>
+              <a:rPr lang="ko-KR" altLang="en-US" dirty="0"/>
               <a:t>혹은 </a:t>
             </a:r>
             <a:r>
-              <a:rPr lang="en-US" altLang="ko-KR" dirty="0" smtClean="0"/>
+              <a:rPr lang="en-US" altLang="ko-KR" dirty="0"/>
               <a:t>s, t </a:t>
             </a:r>
             <a:r>
-              <a:rPr lang="ko-KR" altLang="en-US" dirty="0" smtClean="0"/>
+              <a:rPr lang="ko-KR" altLang="en-US" dirty="0"/>
               <a:t>로 표현 됨</a:t>
             </a:r>
-            <a:endParaRPr lang="ko-KR" altLang="en-US" dirty="0"/>
           </a:p>
         </p:txBody>
       </p:sp>
@@ -31863,13 +31815,9 @@
             <a:pPr latinLnBrk="0"/>
             <a:r>
               <a:rPr lang="en-US" altLang="ko-KR" sz="2800" dirty="0"/>
-              <a:t>u</a:t>
-            </a:r>
-            <a:r>
-              <a:rPr lang="en-US" altLang="ko-KR" sz="2800" dirty="0" smtClean="0"/>
-              <a:t> (s)</a:t>
-            </a:r>
-            <a:endParaRPr lang="ko-KR" altLang="en-US" sz="2800" dirty="0" smtClean="0"/>
+              <a:t>u (s)</a:t>
+            </a:r>
+            <a:endParaRPr lang="ko-KR" altLang="en-US" sz="2800" dirty="0"/>
           </a:p>
         </p:txBody>
       </p:sp>
@@ -31897,10 +31845,10 @@
           <a:p>
             <a:pPr latinLnBrk="0"/>
             <a:r>
-              <a:rPr lang="en-US" altLang="ko-KR" sz="2800" dirty="0" smtClean="0"/>
+              <a:rPr lang="en-US" altLang="ko-KR" sz="2800" dirty="0"/>
               <a:t>v (t)</a:t>
             </a:r>
-            <a:endParaRPr lang="ko-KR" altLang="en-US" sz="2800" dirty="0" smtClean="0"/>
+            <a:endParaRPr lang="ko-KR" altLang="en-US" sz="2800" dirty="0"/>
           </a:p>
         </p:txBody>
       </p:sp>
@@ -31928,19 +31876,19 @@
           <a:p>
             <a:pPr latinLnBrk="0"/>
             <a:r>
-              <a:rPr lang="en-US" altLang="ko-KR" dirty="0" smtClean="0"/>
+              <a:rPr lang="en-US" altLang="ko-KR" dirty="0"/>
               <a:t>OpenGL </a:t>
             </a:r>
             <a:r>
-              <a:rPr lang="ko-KR" altLang="en-US" dirty="0" smtClean="0"/>
+              <a:rPr lang="ko-KR" altLang="en-US" dirty="0"/>
               <a:t>의 경우 </a:t>
             </a:r>
             <a:r>
-              <a:rPr lang="en-US" altLang="ko-KR" dirty="0" smtClean="0"/>
+              <a:rPr lang="en-US" altLang="ko-KR" dirty="0"/>
               <a:t>u, v </a:t>
             </a:r>
             <a:r>
-              <a:rPr lang="ko-KR" altLang="en-US" dirty="0" smtClean="0"/>
+              <a:rPr lang="ko-KR" altLang="en-US" dirty="0"/>
               <a:t>의 축이 왼쪽 그림과 같다</a:t>
             </a:r>
           </a:p>
@@ -32023,23 +31971,23 @@
           <a:lstStyle/>
           <a:p>
             <a:r>
-              <a:rPr lang="en-US" altLang="ko-KR" dirty="0" smtClean="0"/>
+              <a:rPr lang="en-US" altLang="ko-KR" dirty="0"/>
               <a:t>u, v </a:t>
             </a:r>
             <a:r>
-              <a:rPr lang="ko-KR" altLang="en-US" dirty="0" smtClean="0"/>
+              <a:rPr lang="ko-KR" altLang="en-US" dirty="0"/>
               <a:t>혹은 </a:t>
             </a:r>
             <a:r>
-              <a:rPr lang="en-US" altLang="ko-KR" dirty="0" smtClean="0"/>
+              <a:rPr lang="en-US" altLang="ko-KR" dirty="0"/>
               <a:t>s, t </a:t>
             </a:r>
             <a:r>
-              <a:rPr lang="ko-KR" altLang="en-US" dirty="0" smtClean="0"/>
+              <a:rPr lang="ko-KR" altLang="en-US" dirty="0"/>
               <a:t>의 범위는 </a:t>
             </a:r>
             <a:r>
-              <a:rPr lang="en-US" altLang="ko-KR" dirty="0" smtClean="0"/>
+              <a:rPr lang="en-US" altLang="ko-KR" dirty="0"/>
               <a:t>0.0f ~ 1.0f </a:t>
             </a:r>
             <a:r>
@@ -32757,10 +32705,10 @@
           <a:p>
             <a:pPr latinLnBrk="0"/>
             <a:r>
-              <a:rPr lang="en-US" altLang="ko-KR" sz="2800" dirty="0" smtClean="0"/>
+              <a:rPr lang="en-US" altLang="ko-KR" sz="2800" dirty="0"/>
               <a:t>u</a:t>
             </a:r>
-            <a:endParaRPr lang="ko-KR" altLang="en-US" sz="2800" dirty="0" smtClean="0"/>
+            <a:endParaRPr lang="ko-KR" altLang="en-US" sz="2800" dirty="0"/>
           </a:p>
         </p:txBody>
       </p:sp>
@@ -32788,10 +32736,10 @@
           <a:p>
             <a:pPr latinLnBrk="0"/>
             <a:r>
-              <a:rPr lang="en-US" altLang="ko-KR" sz="2800" dirty="0" smtClean="0"/>
+              <a:rPr lang="en-US" altLang="ko-KR" sz="2800" dirty="0"/>
               <a:t>v</a:t>
             </a:r>
-            <a:endParaRPr lang="ko-KR" altLang="en-US" sz="2800" dirty="0" smtClean="0"/>
+            <a:endParaRPr lang="ko-KR" altLang="en-US" sz="2800" dirty="0"/>
           </a:p>
         </p:txBody>
       </p:sp>
@@ -32846,7 +32794,7 @@
           <a:lstStyle/>
           <a:p>
             <a:r>
-              <a:rPr lang="en-US" altLang="ko-KR" dirty="0" smtClean="0"/>
+              <a:rPr lang="en-US" altLang="ko-KR" dirty="0"/>
               <a:t>1.0f</a:t>
             </a:r>
             <a:endParaRPr lang="ko-KR" altLang="en-US" dirty="0"/>
@@ -32875,7 +32823,7 @@
           <a:lstStyle/>
           <a:p>
             <a:r>
-              <a:rPr lang="en-US" altLang="ko-KR" dirty="0" smtClean="0"/>
+              <a:rPr lang="en-US" altLang="ko-KR" dirty="0"/>
               <a:t>1.0f</a:t>
             </a:r>
             <a:endParaRPr lang="ko-KR" altLang="en-US" dirty="0"/>
